--- a/TD noté Projet DATA.pptx
+++ b/TD noté Projet DATA.pptx
@@ -16,25 +16,26 @@
     <p:sldId id="264" r:id="rId14"/>
     <p:sldId id="265" r:id="rId15"/>
     <p:sldId id="266" r:id="rId16"/>
+    <p:sldId id="267" r:id="rId17"/>
   </p:sldIdLst>
   <p:sldSz cx="18288000" cy="10287000"/>
   <p:notesSz cx="6858000" cy="9144000"/>
   <p:embeddedFontLst>
     <p:embeddedFont>
       <p:font typeface="IBM Plex Sans Bold" charset="1" panose="020B0803050203000203"/>
-      <p:regular r:id="rId17"/>
+      <p:regular r:id="rId18"/>
     </p:embeddedFont>
     <p:embeddedFont>
       <p:font typeface="IBM Plex Sans Italics" charset="1" panose="020B0503050203000203"/>
-      <p:regular r:id="rId18"/>
+      <p:regular r:id="rId19"/>
     </p:embeddedFont>
     <p:embeddedFont>
       <p:font typeface="IBM Plex Sans" charset="1" panose="020B0503050203000203"/>
-      <p:regular r:id="rId19"/>
+      <p:regular r:id="rId20"/>
     </p:embeddedFont>
     <p:embeddedFont>
       <p:font typeface="Open Sans" charset="1" panose="020B0606030504020204"/>
-      <p:regular r:id="rId20"/>
+      <p:regular r:id="rId21"/>
     </p:embeddedFont>
   </p:embeddedFontLst>
   <p:defaultTextStyle>
@@ -3609,6 +3610,665 @@
           </a:blipFill>
         </p:spPr>
       </p:sp>
+      <p:sp>
+        <p:nvSpPr>
+          <p:cNvPr name="TextBox 3" id="3"/>
+          <p:cNvSpPr txBox="true"/>
+          <p:nvPr/>
+        </p:nvSpPr>
+        <p:spPr>
+          <a:xfrm rot="0">
+            <a:off x="997905" y="450096"/>
+            <a:ext cx="12297437" cy="1225353"/>
+          </a:xfrm>
+          <a:prstGeom prst="rect">
+            <a:avLst/>
+          </a:prstGeom>
+        </p:spPr>
+        <p:txBody>
+          <a:bodyPr anchor="t" rtlCol="false" tIns="0" lIns="0" bIns="0" rIns="0">
+            <a:spAutoFit/>
+          </a:bodyPr>
+          <a:lstStyle/>
+          <a:p>
+            <a:pPr algn="l">
+              <a:lnSpc>
+                <a:spcPts val="4910"/>
+              </a:lnSpc>
+            </a:pPr>
+            <a:r>
+              <a:rPr lang="en-US" sz="3507" spc="-21" b="true">
+                <a:solidFill>
+                  <a:srgbClr val="CE171E"/>
+                </a:solidFill>
+                <a:latin typeface="IBM Plex Sans Bold"/>
+                <a:ea typeface="IBM Plex Sans Bold"/>
+                <a:cs typeface="IBM Plex Sans Bold"/>
+                <a:sym typeface="IBM Plex Sans Bold"/>
+              </a:rPr>
+              <a:t>2. Développement du modèle prédictif - Random Forrest</a:t>
+            </a:r>
+          </a:p>
+          <a:p>
+            <a:pPr algn="l">
+              <a:lnSpc>
+                <a:spcPts val="4910"/>
+              </a:lnSpc>
+            </a:pPr>
+          </a:p>
+        </p:txBody>
+      </p:sp>
+      <p:sp>
+        <p:nvSpPr>
+          <p:cNvPr name="Freeform 4" id="4"/>
+          <p:cNvSpPr/>
+          <p:nvPr/>
+        </p:nvSpPr>
+        <p:spPr>
+          <a:xfrm flipH="false" flipV="false" rot="0">
+            <a:off x="9144000" y="6104025"/>
+            <a:ext cx="1136643" cy="350939"/>
+          </a:xfrm>
+          <a:custGeom>
+            <a:avLst/>
+            <a:gdLst/>
+            <a:ahLst/>
+            <a:cxnLst/>
+            <a:rect r="r" b="b" t="t" l="l"/>
+            <a:pathLst>
+              <a:path h="350939" w="1136643">
+                <a:moveTo>
+                  <a:pt x="0" y="0"/>
+                </a:moveTo>
+                <a:lnTo>
+                  <a:pt x="1136643" y="0"/>
+                </a:lnTo>
+                <a:lnTo>
+                  <a:pt x="1136643" y="350939"/>
+                </a:lnTo>
+                <a:lnTo>
+                  <a:pt x="0" y="350939"/>
+                </a:lnTo>
+                <a:lnTo>
+                  <a:pt x="0" y="0"/>
+                </a:lnTo>
+                <a:close/>
+              </a:path>
+            </a:pathLst>
+          </a:custGeom>
+          <a:blipFill>
+            <a:blip r:embed="rId3">
+              <a:extLst>
+                <a:ext uri="{96DAC541-7B7A-43D3-8B79-37D633B846F1}">
+                  <asvg:svgBlip xmlns:asvg="http://schemas.microsoft.com/office/drawing/2016/SVG/main" r:embed="rId4"/>
+                </a:ext>
+              </a:extLst>
+            </a:blip>
+            <a:stretch>
+              <a:fillRect l="0" t="0" r="0" b="0"/>
+            </a:stretch>
+          </a:blipFill>
+        </p:spPr>
+      </p:sp>
+      <p:sp>
+        <p:nvSpPr>
+          <p:cNvPr name="Freeform 5" id="5"/>
+          <p:cNvSpPr/>
+          <p:nvPr/>
+        </p:nvSpPr>
+        <p:spPr>
+          <a:xfrm flipH="false" flipV="false" rot="0">
+            <a:off x="133759" y="4139185"/>
+            <a:ext cx="9356382" cy="1964840"/>
+          </a:xfrm>
+          <a:custGeom>
+            <a:avLst/>
+            <a:gdLst/>
+            <a:ahLst/>
+            <a:cxnLst/>
+            <a:rect r="r" b="b" t="t" l="l"/>
+            <a:pathLst>
+              <a:path h="1964840" w="9356382">
+                <a:moveTo>
+                  <a:pt x="0" y="0"/>
+                </a:moveTo>
+                <a:lnTo>
+                  <a:pt x="9356382" y="0"/>
+                </a:lnTo>
+                <a:lnTo>
+                  <a:pt x="9356382" y="1964840"/>
+                </a:lnTo>
+                <a:lnTo>
+                  <a:pt x="0" y="1964840"/>
+                </a:lnTo>
+                <a:lnTo>
+                  <a:pt x="0" y="0"/>
+                </a:lnTo>
+                <a:close/>
+              </a:path>
+            </a:pathLst>
+          </a:custGeom>
+          <a:blipFill>
+            <a:blip r:embed="rId5"/>
+            <a:stretch>
+              <a:fillRect l="0" t="0" r="0" b="0"/>
+            </a:stretch>
+          </a:blipFill>
+        </p:spPr>
+      </p:sp>
+      <p:sp>
+        <p:nvSpPr>
+          <p:cNvPr name="Freeform 6" id="6"/>
+          <p:cNvSpPr/>
+          <p:nvPr/>
+        </p:nvSpPr>
+        <p:spPr>
+          <a:xfrm flipH="false" flipV="false" rot="0">
+            <a:off x="309119" y="6540412"/>
+            <a:ext cx="4565026" cy="3559173"/>
+          </a:xfrm>
+          <a:custGeom>
+            <a:avLst/>
+            <a:gdLst/>
+            <a:ahLst/>
+            <a:cxnLst/>
+            <a:rect r="r" b="b" t="t" l="l"/>
+            <a:pathLst>
+              <a:path h="3559173" w="4565026">
+                <a:moveTo>
+                  <a:pt x="0" y="0"/>
+                </a:moveTo>
+                <a:lnTo>
+                  <a:pt x="4565026" y="0"/>
+                </a:lnTo>
+                <a:lnTo>
+                  <a:pt x="4565026" y="3559173"/>
+                </a:lnTo>
+                <a:lnTo>
+                  <a:pt x="0" y="3559173"/>
+                </a:lnTo>
+                <a:lnTo>
+                  <a:pt x="0" y="0"/>
+                </a:lnTo>
+                <a:close/>
+              </a:path>
+            </a:pathLst>
+          </a:custGeom>
+          <a:blipFill>
+            <a:blip r:embed="rId6"/>
+            <a:stretch>
+              <a:fillRect l="0" t="0" r="0" b="0"/>
+            </a:stretch>
+          </a:blipFill>
+        </p:spPr>
+      </p:sp>
+      <p:sp>
+        <p:nvSpPr>
+          <p:cNvPr name="Freeform 7" id="7"/>
+          <p:cNvSpPr/>
+          <p:nvPr/>
+        </p:nvSpPr>
+        <p:spPr>
+          <a:xfrm flipH="false" flipV="false" rot="0">
+            <a:off x="4874145" y="6454335"/>
+            <a:ext cx="4615996" cy="3645250"/>
+          </a:xfrm>
+          <a:custGeom>
+            <a:avLst/>
+            <a:gdLst/>
+            <a:ahLst/>
+            <a:cxnLst/>
+            <a:rect r="r" b="b" t="t" l="l"/>
+            <a:pathLst>
+              <a:path h="3645250" w="4615996">
+                <a:moveTo>
+                  <a:pt x="0" y="0"/>
+                </a:moveTo>
+                <a:lnTo>
+                  <a:pt x="4615996" y="0"/>
+                </a:lnTo>
+                <a:lnTo>
+                  <a:pt x="4615996" y="3645250"/>
+                </a:lnTo>
+                <a:lnTo>
+                  <a:pt x="0" y="3645250"/>
+                </a:lnTo>
+                <a:lnTo>
+                  <a:pt x="0" y="0"/>
+                </a:lnTo>
+                <a:close/>
+              </a:path>
+            </a:pathLst>
+          </a:custGeom>
+          <a:blipFill>
+            <a:blip r:embed="rId7"/>
+            <a:stretch>
+              <a:fillRect l="0" t="0" r="0" b="0"/>
+            </a:stretch>
+          </a:blipFill>
+        </p:spPr>
+      </p:sp>
+      <p:sp>
+        <p:nvSpPr>
+          <p:cNvPr name="TextBox 8" id="8"/>
+          <p:cNvSpPr txBox="true"/>
+          <p:nvPr/>
+        </p:nvSpPr>
+        <p:spPr>
+          <a:xfrm rot="0">
+            <a:off x="997905" y="1747782"/>
+            <a:ext cx="8809084" cy="729828"/>
+          </a:xfrm>
+          <a:prstGeom prst="rect">
+            <a:avLst/>
+          </a:prstGeom>
+        </p:spPr>
+        <p:txBody>
+          <a:bodyPr anchor="t" rtlCol="false" tIns="0" lIns="0" bIns="0" rIns="0">
+            <a:spAutoFit/>
+          </a:bodyPr>
+          <a:lstStyle/>
+          <a:p>
+            <a:pPr algn="ctr" marL="520396" indent="-260198" lvl="1">
+              <a:lnSpc>
+                <a:spcPts val="3374"/>
+              </a:lnSpc>
+              <a:buFont typeface="Arial"/>
+              <a:buChar char="•"/>
+            </a:pPr>
+            <a:r>
+              <a:rPr lang="en-US" b="true" sz="2410" spc="-16" u="sng">
+                <a:solidFill>
+                  <a:srgbClr val="0D109F"/>
+                </a:solidFill>
+                <a:latin typeface="IBM Plex Sans Bold"/>
+                <a:ea typeface="IBM Plex Sans Bold"/>
+                <a:cs typeface="IBM Plex Sans Bold"/>
+                <a:sym typeface="IBM Plex Sans Bold"/>
+              </a:rPr>
+              <a:t>Choix de 2 modèles : Régression linéaire et RandomForest  </a:t>
+            </a:r>
+          </a:p>
+          <a:p>
+            <a:pPr algn="ctr">
+              <a:lnSpc>
+                <a:spcPts val="2534"/>
+              </a:lnSpc>
+              <a:spcBef>
+                <a:spcPct val="0"/>
+              </a:spcBef>
+            </a:pPr>
+          </a:p>
+        </p:txBody>
+      </p:sp>
+      <p:sp>
+        <p:nvSpPr>
+          <p:cNvPr name="TextBox 9" id="9"/>
+          <p:cNvSpPr txBox="true"/>
+          <p:nvPr/>
+        </p:nvSpPr>
+        <p:spPr>
+          <a:xfrm rot="0">
+            <a:off x="1120156" y="2568210"/>
+            <a:ext cx="17589500" cy="1669787"/>
+          </a:xfrm>
+          <a:prstGeom prst="rect">
+            <a:avLst/>
+          </a:prstGeom>
+        </p:spPr>
+        <p:txBody>
+          <a:bodyPr anchor="t" rtlCol="false" tIns="0" lIns="0" bIns="0" rIns="0">
+            <a:spAutoFit/>
+          </a:bodyPr>
+          <a:lstStyle/>
+          <a:p>
+            <a:pPr algn="l">
+              <a:lnSpc>
+                <a:spcPts val="2814"/>
+              </a:lnSpc>
+            </a:pPr>
+            <a:r>
+              <a:rPr lang="en-US" sz="2010" spc="-14">
+                <a:solidFill>
+                  <a:srgbClr val="000000"/>
+                </a:solidFill>
+                <a:latin typeface="IBM Plex Sans"/>
+                <a:ea typeface="IBM Plex Sans"/>
+                <a:cs typeface="IBM Plex Sans"/>
+                <a:sym typeface="IBM Plex Sans"/>
+              </a:rPr>
+              <a:t>Nous allons commencer par faire une recherche de feature pour le random forest regressor sur l'univers de variable initiale du linear regression. </a:t>
+            </a:r>
+          </a:p>
+          <a:p>
+            <a:pPr algn="l">
+              <a:lnSpc>
+                <a:spcPts val="2814"/>
+              </a:lnSpc>
+            </a:pPr>
+          </a:p>
+          <a:p>
+            <a:pPr algn="l">
+              <a:lnSpc>
+                <a:spcPts val="2814"/>
+              </a:lnSpc>
+            </a:pPr>
+            <a:r>
+              <a:rPr lang="en-US" sz="2010" spc="-14">
+                <a:solidFill>
+                  <a:srgbClr val="000000"/>
+                </a:solidFill>
+                <a:latin typeface="IBM Plex Sans"/>
+                <a:ea typeface="IBM Plex Sans"/>
+                <a:cs typeface="IBM Plex Sans"/>
+                <a:sym typeface="IBM Plex Sans"/>
+              </a:rPr>
+              <a:t>Ensuite nous allons faire une optimization des différents hyperparamètres du random forest regressor sur un univers de variables réduits avant de construire le modèle finale et de l'évaluer.</a:t>
+            </a:r>
+          </a:p>
+          <a:p>
+            <a:pPr algn="l">
+              <a:lnSpc>
+                <a:spcPts val="2114"/>
+              </a:lnSpc>
+              <a:spcBef>
+                <a:spcPct val="0"/>
+              </a:spcBef>
+            </a:pPr>
+          </a:p>
+        </p:txBody>
+      </p:sp>
+      <p:grpSp>
+        <p:nvGrpSpPr>
+          <p:cNvPr name="Group 10" id="10"/>
+          <p:cNvGrpSpPr/>
+          <p:nvPr/>
+        </p:nvGrpSpPr>
+        <p:grpSpPr>
+          <a:xfrm rot="0">
+            <a:off x="10605478" y="4867678"/>
+            <a:ext cx="7445454" cy="2263252"/>
+            <a:chOff x="0" y="0"/>
+            <a:chExt cx="1960943" cy="596083"/>
+          </a:xfrm>
+        </p:grpSpPr>
+        <p:sp>
+          <p:nvSpPr>
+            <p:cNvPr name="Freeform 11" id="11"/>
+            <p:cNvSpPr/>
+            <p:nvPr/>
+          </p:nvSpPr>
+          <p:spPr>
+            <a:xfrm flipH="false" flipV="false" rot="0">
+              <a:off x="0" y="0"/>
+              <a:ext cx="1960943" cy="596083"/>
+            </a:xfrm>
+            <a:custGeom>
+              <a:avLst/>
+              <a:gdLst/>
+              <a:ahLst/>
+              <a:cxnLst/>
+              <a:rect r="r" b="b" t="t" l="l"/>
+              <a:pathLst>
+                <a:path h="596083" w="1960943">
+                  <a:moveTo>
+                    <a:pt x="53031" y="0"/>
+                  </a:moveTo>
+                  <a:lnTo>
+                    <a:pt x="1907912" y="0"/>
+                  </a:lnTo>
+                  <a:cubicBezTo>
+                    <a:pt x="1921976" y="0"/>
+                    <a:pt x="1935465" y="5587"/>
+                    <a:pt x="1945410" y="15532"/>
+                  </a:cubicBezTo>
+                  <a:cubicBezTo>
+                    <a:pt x="1955355" y="25478"/>
+                    <a:pt x="1960943" y="38966"/>
+                    <a:pt x="1960943" y="53031"/>
+                  </a:cubicBezTo>
+                  <a:lnTo>
+                    <a:pt x="1960943" y="543052"/>
+                  </a:lnTo>
+                  <a:cubicBezTo>
+                    <a:pt x="1960943" y="557117"/>
+                    <a:pt x="1955355" y="570605"/>
+                    <a:pt x="1945410" y="580551"/>
+                  </a:cubicBezTo>
+                  <a:cubicBezTo>
+                    <a:pt x="1935465" y="590496"/>
+                    <a:pt x="1921976" y="596083"/>
+                    <a:pt x="1907912" y="596083"/>
+                  </a:cubicBezTo>
+                  <a:lnTo>
+                    <a:pt x="53031" y="596083"/>
+                  </a:lnTo>
+                  <a:cubicBezTo>
+                    <a:pt x="38966" y="596083"/>
+                    <a:pt x="25478" y="590496"/>
+                    <a:pt x="15532" y="580551"/>
+                  </a:cubicBezTo>
+                  <a:cubicBezTo>
+                    <a:pt x="5587" y="570605"/>
+                    <a:pt x="0" y="557117"/>
+                    <a:pt x="0" y="543052"/>
+                  </a:cubicBezTo>
+                  <a:lnTo>
+                    <a:pt x="0" y="53031"/>
+                  </a:lnTo>
+                  <a:cubicBezTo>
+                    <a:pt x="0" y="38966"/>
+                    <a:pt x="5587" y="25478"/>
+                    <a:pt x="15532" y="15532"/>
+                  </a:cubicBezTo>
+                  <a:cubicBezTo>
+                    <a:pt x="25478" y="5587"/>
+                    <a:pt x="38966" y="0"/>
+                    <a:pt x="53031" y="0"/>
+                  </a:cubicBezTo>
+                  <a:close/>
+                </a:path>
+              </a:pathLst>
+            </a:custGeom>
+            <a:solidFill>
+              <a:srgbClr val="FFCACA"/>
+            </a:solidFill>
+          </p:spPr>
+        </p:sp>
+        <p:sp>
+          <p:nvSpPr>
+            <p:cNvPr name="TextBox 12" id="12"/>
+            <p:cNvSpPr txBox="true"/>
+            <p:nvPr/>
+          </p:nvSpPr>
+          <p:spPr>
+            <a:xfrm>
+              <a:off x="0" y="-38100"/>
+              <a:ext cx="1960943" cy="634183"/>
+            </a:xfrm>
+            <a:prstGeom prst="rect">
+              <a:avLst/>
+            </a:prstGeom>
+          </p:spPr>
+          <p:txBody>
+            <a:bodyPr anchor="ctr" rtlCol="false" tIns="50800" lIns="50800" bIns="50800" rIns="50800"/>
+            <a:lstStyle/>
+            <a:p>
+              <a:pPr algn="ctr">
+                <a:lnSpc>
+                  <a:spcPts val="2534"/>
+                </a:lnSpc>
+              </a:pPr>
+            </a:p>
+          </p:txBody>
+        </p:sp>
+      </p:grpSp>
+      <p:sp>
+        <p:nvSpPr>
+          <p:cNvPr name="TextBox 13" id="13"/>
+          <p:cNvSpPr txBox="true"/>
+          <p:nvPr/>
+        </p:nvSpPr>
+        <p:spPr>
+          <a:xfrm rot="0">
+            <a:off x="10829849" y="5133346"/>
+            <a:ext cx="6988249" cy="2101587"/>
+          </a:xfrm>
+          <a:prstGeom prst="rect">
+            <a:avLst/>
+          </a:prstGeom>
+        </p:spPr>
+        <p:txBody>
+          <a:bodyPr anchor="t" rtlCol="false" tIns="0" lIns="0" bIns="0" rIns="0">
+            <a:spAutoFit/>
+          </a:bodyPr>
+          <a:lstStyle/>
+          <a:p>
+            <a:pPr algn="ctr">
+              <a:lnSpc>
+                <a:spcPts val="2814"/>
+              </a:lnSpc>
+            </a:pPr>
+            <a:r>
+              <a:rPr lang="en-US" sz="2010" spc="-14">
+                <a:solidFill>
+                  <a:srgbClr val="000000"/>
+                </a:solidFill>
+                <a:latin typeface="IBM Plex Sans"/>
+                <a:ea typeface="IBM Plex Sans"/>
+                <a:cs typeface="IBM Plex Sans"/>
+                <a:sym typeface="IBM Plex Sans"/>
+              </a:rPr>
+              <a:t>Nous passons finalement d'un univers de 16 variables à un univers de 9 variables que sont : le prix à l'ouverture, les prix high et low de la veille, les prix d'ouverture et de close de la veille, le VIX, le moyenne mobile, le MACD et prix close 2 jours avant.</a:t>
+            </a:r>
+          </a:p>
+          <a:p>
+            <a:pPr algn="ctr">
+              <a:lnSpc>
+                <a:spcPts val="2814"/>
+              </a:lnSpc>
+              <a:spcBef>
+                <a:spcPct val="0"/>
+              </a:spcBef>
+            </a:pPr>
+          </a:p>
+        </p:txBody>
+      </p:sp>
+      <p:sp>
+        <p:nvSpPr>
+          <p:cNvPr name="TextBox 14" id="14"/>
+          <p:cNvSpPr txBox="true"/>
+          <p:nvPr/>
+        </p:nvSpPr>
+        <p:spPr>
+          <a:xfrm rot="0">
+            <a:off x="17259300" y="9210675"/>
+            <a:ext cx="152400" cy="200025"/>
+          </a:xfrm>
+          <a:prstGeom prst="rect">
+            <a:avLst/>
+          </a:prstGeom>
+        </p:spPr>
+        <p:txBody>
+          <a:bodyPr anchor="t" rtlCol="false" tIns="0" lIns="0" bIns="0" rIns="0" wrap="none">
+            <a:spAutoFit/>
+          </a:bodyPr>
+          <a:lstStyle/>
+          <a:p>
+            <a:pPr algn="ctr">
+              <a:lnSpc>
+                <a:spcPts val="2800"/>
+              </a:lnSpc>
+              <a:spcBef>
+                <a:spcPct val="0"/>
+              </a:spcBef>
+            </a:pPr>
+            <a:r>
+              <a:rPr lang="en-US" sz="2000">
+                <a:solidFill>
+                  <a:srgbClr val="000000"/>
+                </a:solidFill>
+                <a:latin typeface="Open Sans"/>
+                <a:ea typeface="Open Sans"/>
+                <a:cs typeface="Open Sans"/>
+                <a:sym typeface="Open Sans"/>
+              </a:rPr>
+              <a:t>10</a:t>
+            </a:r>
+          </a:p>
+        </p:txBody>
+      </p:sp>
+    </p:spTree>
+  </p:cSld>
+  <p:clrMapOvr>
+    <a:masterClrMapping/>
+  </p:clrMapOvr>
+</p:sld>
+</file>
+
+<file path=ppt/slides/slide11.xml><?xml version="1.0" encoding="utf-8"?>
+<p:sld xmlns:p="http://schemas.openxmlformats.org/presentationml/2006/main" xmlns:a="http://schemas.openxmlformats.org/drawingml/2006/main" xmlns:r="http://schemas.openxmlformats.org/officeDocument/2006/relationships">
+  <p:cSld>
+    <p:spTree>
+      <p:nvGrpSpPr>
+        <p:cNvPr id="1" name=""/>
+        <p:cNvGrpSpPr/>
+        <p:nvPr/>
+      </p:nvGrpSpPr>
+      <p:grpSpPr>
+        <a:xfrm>
+          <a:off x="0" y="0"/>
+          <a:ext cx="0" cy="0"/>
+          <a:chOff x="0" y="0"/>
+          <a:chExt cx="0" cy="0"/>
+        </a:xfrm>
+      </p:grpSpPr>
+      <p:sp>
+        <p:nvSpPr>
+          <p:cNvPr name="Freeform 2" id="2"/>
+          <p:cNvSpPr/>
+          <p:nvPr/>
+        </p:nvSpPr>
+        <p:spPr>
+          <a:xfrm flipH="false" flipV="false" rot="0">
+            <a:off x="16552236" y="233584"/>
+            <a:ext cx="1498695" cy="1498695"/>
+          </a:xfrm>
+          <a:custGeom>
+            <a:avLst/>
+            <a:gdLst/>
+            <a:ahLst/>
+            <a:cxnLst/>
+            <a:rect r="r" b="b" t="t" l="l"/>
+            <a:pathLst>
+              <a:path h="1498695" w="1498695">
+                <a:moveTo>
+                  <a:pt x="0" y="0"/>
+                </a:moveTo>
+                <a:lnTo>
+                  <a:pt x="1498695" y="0"/>
+                </a:lnTo>
+                <a:lnTo>
+                  <a:pt x="1498695" y="1498695"/>
+                </a:lnTo>
+                <a:lnTo>
+                  <a:pt x="0" y="1498695"/>
+                </a:lnTo>
+                <a:lnTo>
+                  <a:pt x="0" y="0"/>
+                </a:lnTo>
+                <a:close/>
+              </a:path>
+            </a:pathLst>
+          </a:custGeom>
+          <a:blipFill>
+            <a:blip r:embed="rId2"/>
+            <a:stretch>
+              <a:fillRect l="0" t="0" r="0" b="0"/>
+            </a:stretch>
+          </a:blipFill>
+        </p:spPr>
+      </p:sp>
       <p:grpSp>
         <p:nvGrpSpPr>
           <p:cNvPr name="Group 3" id="3"/>
@@ -3801,7 +4461,7 @@
                 <a:cs typeface="Open Sans"/>
                 <a:sym typeface="Open Sans"/>
               </a:rPr>
-              <a:t>10</a:t>
+              <a:t>11</a:t>
             </a:r>
           </a:p>
         </p:txBody>
@@ -4299,7 +4959,7 @@
                 <a:cs typeface="IBM Plex Sans"/>
                 <a:sym typeface="IBM Plex Sans"/>
               </a:rPr>
-              <a:t>Enfin, un R2 de </a:t>
+              <a:t>Enfin, un R² de </a:t>
             </a:r>
             <a:r>
               <a:rPr lang="en-US" b="true" sz="2100" spc="-12">
@@ -4353,7 +5013,7 @@
 </p:sld>
 </file>
 
-<file path=ppt/slides/slide11.xml><?xml version="1.0" encoding="utf-8"?>
+<file path=ppt/slides/slide12.xml><?xml version="1.0" encoding="utf-8"?>
 <p:sld xmlns:p="http://schemas.openxmlformats.org/presentationml/2006/main" xmlns:a="http://schemas.openxmlformats.org/drawingml/2006/main" xmlns:r="http://schemas.openxmlformats.org/officeDocument/2006/relationships">
   <p:cSld>
     <p:spTree>
@@ -4503,8 +5163,538 @@
                 <a:cs typeface="Open Sans"/>
                 <a:sym typeface="Open Sans"/>
               </a:rPr>
-              <a:t>11</a:t>
-            </a:r>
+              <a:t>12</a:t>
+            </a:r>
+          </a:p>
+        </p:txBody>
+      </p:sp>
+      <p:grpSp>
+        <p:nvGrpSpPr>
+          <p:cNvPr name="Group 5" id="5"/>
+          <p:cNvGrpSpPr/>
+          <p:nvPr/>
+        </p:nvGrpSpPr>
+        <p:grpSpPr>
+          <a:xfrm rot="0">
+            <a:off x="841020" y="1471738"/>
+            <a:ext cx="11855452" cy="1753590"/>
+            <a:chOff x="0" y="0"/>
+            <a:chExt cx="3122424" cy="461851"/>
+          </a:xfrm>
+        </p:grpSpPr>
+        <p:sp>
+          <p:nvSpPr>
+            <p:cNvPr name="Freeform 6" id="6"/>
+            <p:cNvSpPr/>
+            <p:nvPr/>
+          </p:nvSpPr>
+          <p:spPr>
+            <a:xfrm flipH="false" flipV="false" rot="0">
+              <a:off x="0" y="0"/>
+              <a:ext cx="3122424" cy="461851"/>
+            </a:xfrm>
+            <a:custGeom>
+              <a:avLst/>
+              <a:gdLst/>
+              <a:ahLst/>
+              <a:cxnLst/>
+              <a:rect r="r" b="b" t="t" l="l"/>
+              <a:pathLst>
+                <a:path h="461851" w="3122424">
+                  <a:moveTo>
+                    <a:pt x="33304" y="0"/>
+                  </a:moveTo>
+                  <a:lnTo>
+                    <a:pt x="3089119" y="0"/>
+                  </a:lnTo>
+                  <a:cubicBezTo>
+                    <a:pt x="3107513" y="0"/>
+                    <a:pt x="3122424" y="14911"/>
+                    <a:pt x="3122424" y="33304"/>
+                  </a:cubicBezTo>
+                  <a:lnTo>
+                    <a:pt x="3122424" y="428547"/>
+                  </a:lnTo>
+                  <a:cubicBezTo>
+                    <a:pt x="3122424" y="446940"/>
+                    <a:pt x="3107513" y="461851"/>
+                    <a:pt x="3089119" y="461851"/>
+                  </a:cubicBezTo>
+                  <a:lnTo>
+                    <a:pt x="33304" y="461851"/>
+                  </a:lnTo>
+                  <a:cubicBezTo>
+                    <a:pt x="14911" y="461851"/>
+                    <a:pt x="0" y="446940"/>
+                    <a:pt x="0" y="428547"/>
+                  </a:cubicBezTo>
+                  <a:lnTo>
+                    <a:pt x="0" y="33304"/>
+                  </a:lnTo>
+                  <a:cubicBezTo>
+                    <a:pt x="0" y="14911"/>
+                    <a:pt x="14911" y="0"/>
+                    <a:pt x="33304" y="0"/>
+                  </a:cubicBezTo>
+                  <a:close/>
+                </a:path>
+              </a:pathLst>
+            </a:custGeom>
+            <a:solidFill>
+              <a:srgbClr val="DEFFD8"/>
+            </a:solidFill>
+          </p:spPr>
+        </p:sp>
+        <p:sp>
+          <p:nvSpPr>
+            <p:cNvPr name="TextBox 7" id="7"/>
+            <p:cNvSpPr txBox="true"/>
+            <p:nvPr/>
+          </p:nvSpPr>
+          <p:spPr>
+            <a:xfrm>
+              <a:off x="0" y="-38100"/>
+              <a:ext cx="3122424" cy="499951"/>
+            </a:xfrm>
+            <a:prstGeom prst="rect">
+              <a:avLst/>
+            </a:prstGeom>
+          </p:spPr>
+          <p:txBody>
+            <a:bodyPr anchor="ctr" rtlCol="false" tIns="50800" lIns="50800" bIns="50800" rIns="50800"/>
+            <a:lstStyle/>
+            <a:p>
+              <a:pPr algn="ctr">
+                <a:lnSpc>
+                  <a:spcPts val="2534"/>
+                </a:lnSpc>
+              </a:pPr>
+            </a:p>
+          </p:txBody>
+        </p:sp>
+      </p:grpSp>
+      <p:grpSp>
+        <p:nvGrpSpPr>
+          <p:cNvPr name="Group 8" id="8"/>
+          <p:cNvGrpSpPr/>
+          <p:nvPr/>
+        </p:nvGrpSpPr>
+        <p:grpSpPr>
+          <a:xfrm rot="0">
+            <a:off x="841020" y="4753439"/>
+            <a:ext cx="11855452" cy="1753590"/>
+            <a:chOff x="0" y="0"/>
+            <a:chExt cx="3122424" cy="461851"/>
+          </a:xfrm>
+        </p:grpSpPr>
+        <p:sp>
+          <p:nvSpPr>
+            <p:cNvPr name="Freeform 9" id="9"/>
+            <p:cNvSpPr/>
+            <p:nvPr/>
+          </p:nvSpPr>
+          <p:spPr>
+            <a:xfrm flipH="false" flipV="false" rot="0">
+              <a:off x="0" y="0"/>
+              <a:ext cx="3122424" cy="461851"/>
+            </a:xfrm>
+            <a:custGeom>
+              <a:avLst/>
+              <a:gdLst/>
+              <a:ahLst/>
+              <a:cxnLst/>
+              <a:rect r="r" b="b" t="t" l="l"/>
+              <a:pathLst>
+                <a:path h="461851" w="3122424">
+                  <a:moveTo>
+                    <a:pt x="33304" y="0"/>
+                  </a:moveTo>
+                  <a:lnTo>
+                    <a:pt x="3089119" y="0"/>
+                  </a:lnTo>
+                  <a:cubicBezTo>
+                    <a:pt x="3107513" y="0"/>
+                    <a:pt x="3122424" y="14911"/>
+                    <a:pt x="3122424" y="33304"/>
+                  </a:cubicBezTo>
+                  <a:lnTo>
+                    <a:pt x="3122424" y="428547"/>
+                  </a:lnTo>
+                  <a:cubicBezTo>
+                    <a:pt x="3122424" y="446940"/>
+                    <a:pt x="3107513" y="461851"/>
+                    <a:pt x="3089119" y="461851"/>
+                  </a:cubicBezTo>
+                  <a:lnTo>
+                    <a:pt x="33304" y="461851"/>
+                  </a:lnTo>
+                  <a:cubicBezTo>
+                    <a:pt x="14911" y="461851"/>
+                    <a:pt x="0" y="446940"/>
+                    <a:pt x="0" y="428547"/>
+                  </a:cubicBezTo>
+                  <a:lnTo>
+                    <a:pt x="0" y="33304"/>
+                  </a:lnTo>
+                  <a:cubicBezTo>
+                    <a:pt x="0" y="14911"/>
+                    <a:pt x="14911" y="0"/>
+                    <a:pt x="33304" y="0"/>
+                  </a:cubicBezTo>
+                  <a:close/>
+                </a:path>
+              </a:pathLst>
+            </a:custGeom>
+            <a:solidFill>
+              <a:srgbClr val="FFB6B6"/>
+            </a:solidFill>
+          </p:spPr>
+        </p:sp>
+        <p:sp>
+          <p:nvSpPr>
+            <p:cNvPr name="TextBox 10" id="10"/>
+            <p:cNvSpPr txBox="true"/>
+            <p:nvPr/>
+          </p:nvSpPr>
+          <p:spPr>
+            <a:xfrm>
+              <a:off x="0" y="-38100"/>
+              <a:ext cx="3122424" cy="499951"/>
+            </a:xfrm>
+            <a:prstGeom prst="rect">
+              <a:avLst/>
+            </a:prstGeom>
+          </p:spPr>
+          <p:txBody>
+            <a:bodyPr anchor="ctr" rtlCol="false" tIns="50800" lIns="50800" bIns="50800" rIns="50800"/>
+            <a:lstStyle/>
+            <a:p>
+              <a:pPr algn="ctr">
+                <a:lnSpc>
+                  <a:spcPts val="2534"/>
+                </a:lnSpc>
+              </a:pPr>
+            </a:p>
+          </p:txBody>
+        </p:sp>
+      </p:grpSp>
+      <p:sp>
+        <p:nvSpPr>
+          <p:cNvPr name="TextBox 11" id="11"/>
+          <p:cNvSpPr txBox="true"/>
+          <p:nvPr/>
+        </p:nvSpPr>
+        <p:spPr>
+          <a:xfrm rot="0">
+            <a:off x="1028700" y="1053247"/>
+            <a:ext cx="16470410" cy="7795260"/>
+          </a:xfrm>
+          <a:prstGeom prst="rect">
+            <a:avLst/>
+          </a:prstGeom>
+        </p:spPr>
+        <p:txBody>
+          <a:bodyPr anchor="t" rtlCol="false" tIns="0" lIns="0" bIns="0" rIns="0">
+            <a:spAutoFit/>
+          </a:bodyPr>
+          <a:lstStyle/>
+          <a:p>
+            <a:pPr algn="l">
+              <a:lnSpc>
+                <a:spcPts val="2940"/>
+              </a:lnSpc>
+            </a:pPr>
+          </a:p>
+          <a:p>
+            <a:pPr algn="l">
+              <a:lnSpc>
+                <a:spcPts val="2940"/>
+              </a:lnSpc>
+            </a:pPr>
+            <a:r>
+              <a:rPr lang="en-US" b="true" sz="2100" spc="-14" u="sng">
+                <a:solidFill>
+                  <a:srgbClr val="0D109F"/>
+                </a:solidFill>
+                <a:latin typeface="IBM Plex Sans Bold"/>
+                <a:ea typeface="IBM Plex Sans Bold"/>
+                <a:cs typeface="IBM Plex Sans Bold"/>
+                <a:sym typeface="IBM Plex Sans Bold"/>
+              </a:rPr>
+              <a:t>Résultats clés :</a:t>
+            </a:r>
+          </a:p>
+          <a:p>
+            <a:pPr algn="l">
+              <a:lnSpc>
+                <a:spcPts val="2940"/>
+              </a:lnSpc>
+            </a:pPr>
+          </a:p>
+          <a:p>
+            <a:pPr algn="l" marL="453390" indent="-226695" lvl="1">
+              <a:lnSpc>
+                <a:spcPts val="2940"/>
+              </a:lnSpc>
+              <a:buFont typeface="Arial"/>
+              <a:buChar char="•"/>
+            </a:pPr>
+            <a:r>
+              <a:rPr lang="en-US" sz="2100" spc="-14">
+                <a:solidFill>
+                  <a:srgbClr val="000000"/>
+                </a:solidFill>
+                <a:latin typeface="IBM Plex Sans"/>
+                <a:ea typeface="IBM Plex Sans"/>
+                <a:cs typeface="IBM Plex Sans"/>
+                <a:sym typeface="IBM Plex Sans"/>
+              </a:rPr>
+              <a:t>Performance de notre premier modèle (Linear Regression) : Accuracy de 100 %, R² de 94 %.</a:t>
+            </a:r>
+          </a:p>
+          <a:p>
+            <a:pPr algn="l" marL="453390" indent="-226695" lvl="1">
+              <a:lnSpc>
+                <a:spcPts val="2940"/>
+              </a:lnSpc>
+              <a:buFont typeface="Arial"/>
+              <a:buChar char="•"/>
+            </a:pPr>
+            <a:r>
+              <a:rPr lang="en-US" sz="2100" spc="-14">
+                <a:solidFill>
+                  <a:srgbClr val="000000"/>
+                </a:solidFill>
+                <a:latin typeface="IBM Plex Sans"/>
+                <a:ea typeface="IBM Plex Sans"/>
+                <a:cs typeface="IBM Plex Sans"/>
+                <a:sym typeface="IBM Plex Sans"/>
+              </a:rPr>
+              <a:t>Limitation de celui-ci : Amplitudes des variations partiellement capturées (MAE non nul).</a:t>
+            </a:r>
+          </a:p>
+          <a:p>
+            <a:pPr algn="l">
+              <a:lnSpc>
+                <a:spcPts val="2940"/>
+              </a:lnSpc>
+            </a:pPr>
+          </a:p>
+          <a:p>
+            <a:pPr algn="l">
+              <a:lnSpc>
+                <a:spcPts val="2940"/>
+              </a:lnSpc>
+            </a:pPr>
+            <a:r>
+              <a:rPr lang="en-US" b="true" sz="2100" spc="-14" u="sng">
+                <a:solidFill>
+                  <a:srgbClr val="0D109F"/>
+                </a:solidFill>
+                <a:latin typeface="IBM Plex Sans Bold"/>
+                <a:ea typeface="IBM Plex Sans Bold"/>
+                <a:cs typeface="IBM Plex Sans Bold"/>
+                <a:sym typeface="IBM Plex Sans Bold"/>
+              </a:rPr>
+              <a:t>Cas d’utilisation pratique : </a:t>
+            </a:r>
+          </a:p>
+          <a:p>
+            <a:pPr algn="l">
+              <a:lnSpc>
+                <a:spcPts val="2940"/>
+              </a:lnSpc>
+            </a:pPr>
+            <a:r>
+              <a:rPr lang="en-US" sz="2100" spc="-14">
+                <a:solidFill>
+                  <a:srgbClr val="000000"/>
+                </a:solidFill>
+                <a:latin typeface="IBM Plex Sans"/>
+                <a:ea typeface="IBM Plex Sans"/>
+                <a:cs typeface="IBM Plex Sans"/>
+                <a:sym typeface="IBM Plex Sans"/>
+              </a:rPr>
+              <a:t>Le modèle peut être utilisé pour tenir des positions de l’ordre d’une journée sur le SP500. Acheter quand le modèle prédit un prix supérieur à l’ouverture sinon vendre</a:t>
+            </a:r>
+          </a:p>
+          <a:p>
+            <a:pPr algn="l">
+              <a:lnSpc>
+                <a:spcPts val="2940"/>
+              </a:lnSpc>
+            </a:pPr>
+          </a:p>
+          <a:p>
+            <a:pPr algn="l">
+              <a:lnSpc>
+                <a:spcPts val="2940"/>
+              </a:lnSpc>
+            </a:pPr>
+            <a:r>
+              <a:rPr lang="en-US" b="true" sz="2100" spc="-14" u="sng">
+                <a:solidFill>
+                  <a:srgbClr val="0D109F"/>
+                </a:solidFill>
+                <a:latin typeface="IBM Plex Sans Bold"/>
+                <a:ea typeface="IBM Plex Sans Bold"/>
+                <a:cs typeface="IBM Plex Sans Bold"/>
+                <a:sym typeface="IBM Plex Sans Bold"/>
+              </a:rPr>
+              <a:t>Enjeux et limites :</a:t>
+            </a:r>
+          </a:p>
+          <a:p>
+            <a:pPr algn="l">
+              <a:lnSpc>
+                <a:spcPts val="2940"/>
+              </a:lnSpc>
+            </a:pPr>
+          </a:p>
+          <a:p>
+            <a:pPr algn="l" marL="453390" indent="-226695" lvl="1">
+              <a:lnSpc>
+                <a:spcPts val="2940"/>
+              </a:lnSpc>
+              <a:buFont typeface="Arial"/>
+              <a:buChar char="•"/>
+            </a:pPr>
+            <a:r>
+              <a:rPr lang="en-US" sz="2100" spc="-14">
+                <a:solidFill>
+                  <a:srgbClr val="000000"/>
+                </a:solidFill>
+                <a:latin typeface="IBM Plex Sans"/>
+                <a:ea typeface="IBM Plex Sans"/>
+                <a:cs typeface="IBM Plex Sans"/>
+                <a:sym typeface="IBM Plex Sans"/>
+              </a:rPr>
+              <a:t>Sensibilité aux événements imprévus (crises, annonces).</a:t>
+            </a:r>
+          </a:p>
+          <a:p>
+            <a:pPr algn="l" marL="453390" indent="-226695" lvl="1">
+              <a:lnSpc>
+                <a:spcPts val="2940"/>
+              </a:lnSpc>
+              <a:buFont typeface="Arial"/>
+              <a:buChar char="•"/>
+            </a:pPr>
+            <a:r>
+              <a:rPr lang="en-US" sz="2100" spc="-14">
+                <a:solidFill>
+                  <a:srgbClr val="000000"/>
+                </a:solidFill>
+                <a:latin typeface="IBM Plex Sans"/>
+                <a:ea typeface="IBM Plex Sans"/>
+                <a:cs typeface="IBM Plex Sans"/>
+                <a:sym typeface="IBM Plex Sans"/>
+              </a:rPr>
+              <a:t>Dépendance à la qualité des données historiques.</a:t>
+            </a:r>
+          </a:p>
+          <a:p>
+            <a:pPr algn="l">
+              <a:lnSpc>
+                <a:spcPts val="2940"/>
+              </a:lnSpc>
+            </a:pPr>
+          </a:p>
+          <a:p>
+            <a:pPr algn="l">
+              <a:lnSpc>
+                <a:spcPts val="2940"/>
+              </a:lnSpc>
+            </a:pPr>
+            <a:r>
+              <a:rPr lang="en-US" b="true" sz="2100" spc="-14" u="sng">
+                <a:solidFill>
+                  <a:srgbClr val="0D109F"/>
+                </a:solidFill>
+                <a:latin typeface="IBM Plex Sans Bold"/>
+                <a:ea typeface="IBM Plex Sans Bold"/>
+                <a:cs typeface="IBM Plex Sans Bold"/>
+                <a:sym typeface="IBM Plex Sans Bold"/>
+              </a:rPr>
+              <a:t>Perspectives :</a:t>
+            </a:r>
+          </a:p>
+          <a:p>
+            <a:pPr algn="l">
+              <a:lnSpc>
+                <a:spcPts val="2940"/>
+              </a:lnSpc>
+            </a:pPr>
+          </a:p>
+          <a:p>
+            <a:pPr algn="l" marL="453390" indent="-226695" lvl="1">
+              <a:lnSpc>
+                <a:spcPts val="2940"/>
+              </a:lnSpc>
+              <a:buFont typeface="Arial"/>
+              <a:buChar char="•"/>
+            </a:pPr>
+            <a:r>
+              <a:rPr lang="en-US" sz="2100" spc="-14">
+                <a:solidFill>
+                  <a:srgbClr val="000000"/>
+                </a:solidFill>
+                <a:latin typeface="IBM Plex Sans"/>
+                <a:ea typeface="IBM Plex Sans"/>
+                <a:cs typeface="IBM Plex Sans"/>
+                <a:sym typeface="IBM Plex Sans"/>
+              </a:rPr>
+              <a:t>Intégration de variables exogènes dans de nouveaux modèles.</a:t>
+            </a:r>
+          </a:p>
+          <a:p>
+            <a:pPr algn="l" marL="453390" indent="-226695" lvl="1">
+              <a:lnSpc>
+                <a:spcPts val="2940"/>
+              </a:lnSpc>
+              <a:buFont typeface="Arial"/>
+              <a:buChar char="•"/>
+            </a:pPr>
+            <a:r>
+              <a:rPr lang="en-US" sz="2100" spc="-14">
+                <a:solidFill>
+                  <a:srgbClr val="000000"/>
+                </a:solidFill>
+                <a:latin typeface="IBM Plex Sans"/>
+                <a:ea typeface="IBM Plex Sans"/>
+                <a:cs typeface="IBM Plex Sans"/>
+                <a:sym typeface="IBM Plex Sans"/>
+              </a:rPr>
+              <a:t>Exploration de modèles avancés (RNN, Transformers, hybrides).</a:t>
+            </a:r>
+          </a:p>
+          <a:p>
+            <a:pPr algn="l" marL="453390" indent="-226695" lvl="1">
+              <a:lnSpc>
+                <a:spcPts val="2940"/>
+              </a:lnSpc>
+              <a:buFont typeface="Arial"/>
+              <a:buChar char="•"/>
+            </a:pPr>
+            <a:r>
+              <a:rPr lang="en-US" sz="2100" spc="-14">
+                <a:solidFill>
+                  <a:srgbClr val="000000"/>
+                </a:solidFill>
+                <a:latin typeface="IBM Plex Sans"/>
+                <a:ea typeface="IBM Plex Sans"/>
+                <a:cs typeface="IBM Plex Sans"/>
+                <a:sym typeface="IBM Plex Sans"/>
+              </a:rPr>
+              <a:t>Validation en conditions de marché réelles.</a:t>
+            </a:r>
+          </a:p>
+          <a:p>
+            <a:pPr algn="l">
+              <a:lnSpc>
+                <a:spcPts val="2940"/>
+              </a:lnSpc>
+            </a:pPr>
           </a:p>
         </p:txBody>
       </p:sp>
@@ -5859,7 +7049,7 @@
         </p:nvSpPr>
         <p:spPr>
           <a:xfrm rot="0">
-            <a:off x="9830225" y="2175922"/>
+            <a:off x="9868325" y="2175922"/>
             <a:ext cx="6450436" cy="2942009"/>
           </a:xfrm>
           <a:prstGeom prst="rect">
@@ -6354,7 +7544,7 @@
                 <a:cs typeface="IBM Plex Sans Bold"/>
                 <a:sym typeface="IBM Plex Sans Bold"/>
               </a:rPr>
-              <a:t>Collecte et préparation des données - analyse statistique de la série temporelle du S&amp;P 500</a:t>
+              <a:t>Collecte et préparation des données - analyse technique avancée de la série temporelle du S&amp;P 500</a:t>
             </a:r>
           </a:p>
           <a:p>
@@ -7003,7 +8193,7 @@
                 <a:cs typeface="IBM Plex Sans Bold"/>
                 <a:sym typeface="IBM Plex Sans Bold"/>
               </a:rPr>
-              <a:t>Collecte et préparation des données - analyse statistique de la série temporelle du S&amp;P 500</a:t>
+              <a:t>Collecte et préparation des données - analyse technique avancée de la série temporelle du S&amp;P 500</a:t>
             </a:r>
           </a:p>
           <a:p>
@@ -7073,7 +8263,7 @@
                 <a:cs typeface="IBM Plex Sans"/>
                 <a:sym typeface="IBM Plex Sans"/>
               </a:rPr>
-              <a:t>L'ACF nous donne une idée de l'odre q adéquat du MA tandis que le PACF quant à lui donne l'ordre p adéquat du AR. q = 10 semble être le à partir duquel le PACF ne dépasse pas la la limite statistiquement significative. p = 8</a:t>
+              <a:t>L'ACF nous donne une idée de l'odre q adéquat du MA tandis que le PACF quant à lui donne l'ordre p adéquat du AR. q = 10 semble être le à partir duquel le PACF ne dépasse pas la  limite statistiquement significative. p = 8</a:t>
             </a:r>
           </a:p>
         </p:txBody>
@@ -7201,8 +8391,8 @@
         </p:nvSpPr>
         <p:spPr>
           <a:xfrm flipH="false" flipV="false" rot="0">
-            <a:off x="1028700" y="2294574"/>
-            <a:ext cx="6618821" cy="3532796"/>
+            <a:off x="2056962" y="5873572"/>
+            <a:ext cx="8034863" cy="3686353"/>
           </a:xfrm>
           <a:custGeom>
             <a:avLst/>
@@ -7211,18 +8401,18 @@
             <a:cxnLst/>
             <a:rect r="r" b="b" t="t" l="l"/>
             <a:pathLst>
-              <a:path h="3532796" w="6618821">
+              <a:path h="3686353" w="8034863">
                 <a:moveTo>
                   <a:pt x="0" y="0"/>
                 </a:moveTo>
                 <a:lnTo>
-                  <a:pt x="6618821" y="0"/>
-                </a:lnTo>
-                <a:lnTo>
-                  <a:pt x="6618821" y="3532795"/>
-                </a:lnTo>
-                <a:lnTo>
-                  <a:pt x="0" y="3532795"/>
+                  <a:pt x="8034863" y="0"/>
+                </a:lnTo>
+                <a:lnTo>
+                  <a:pt x="8034863" y="3686353"/>
+                </a:lnTo>
+                <a:lnTo>
+                  <a:pt x="0" y="3686353"/>
                 </a:lnTo>
                 <a:lnTo>
                   <a:pt x="0" y="0"/>
@@ -7234,113 +8424,21 @@
           <a:blipFill>
             <a:blip r:embed="rId3"/>
             <a:stretch>
-              <a:fillRect l="0" t="0" r="0" b="0"/>
+              <a:fillRect l="0" t="-812" r="0" b="-812"/>
             </a:stretch>
           </a:blipFill>
         </p:spPr>
       </p:sp>
       <p:sp>
         <p:nvSpPr>
-          <p:cNvPr name="Freeform 4" id="4"/>
-          <p:cNvSpPr/>
-          <p:nvPr/>
-        </p:nvSpPr>
-        <p:spPr>
-          <a:xfrm flipH="false" flipV="false" rot="0">
-            <a:off x="1028700" y="6390067"/>
-            <a:ext cx="6618821" cy="3392146"/>
-          </a:xfrm>
-          <a:custGeom>
-            <a:avLst/>
-            <a:gdLst/>
-            <a:ahLst/>
-            <a:cxnLst/>
-            <a:rect r="r" b="b" t="t" l="l"/>
-            <a:pathLst>
-              <a:path h="3392146" w="6618821">
-                <a:moveTo>
-                  <a:pt x="0" y="0"/>
-                </a:moveTo>
-                <a:lnTo>
-                  <a:pt x="6618821" y="0"/>
-                </a:lnTo>
-                <a:lnTo>
-                  <a:pt x="6618821" y="3392146"/>
-                </a:lnTo>
-                <a:lnTo>
-                  <a:pt x="0" y="3392146"/>
-                </a:lnTo>
-                <a:lnTo>
-                  <a:pt x="0" y="0"/>
-                </a:lnTo>
-                <a:close/>
-              </a:path>
-            </a:pathLst>
-          </a:custGeom>
-          <a:blipFill>
-            <a:blip r:embed="rId4"/>
-            <a:stretch>
-              <a:fillRect l="0" t="0" r="0" b="0"/>
-            </a:stretch>
-          </a:blipFill>
-        </p:spPr>
-      </p:sp>
-      <p:sp>
-        <p:nvSpPr>
-          <p:cNvPr name="Freeform 5" id="5"/>
-          <p:cNvSpPr/>
-          <p:nvPr/>
-        </p:nvSpPr>
-        <p:spPr>
-          <a:xfrm flipH="false" flipV="false" rot="0">
-            <a:off x="7995534" y="2567611"/>
-            <a:ext cx="9864402" cy="7644911"/>
-          </a:xfrm>
-          <a:custGeom>
-            <a:avLst/>
-            <a:gdLst/>
-            <a:ahLst/>
-            <a:cxnLst/>
-            <a:rect r="r" b="b" t="t" l="l"/>
-            <a:pathLst>
-              <a:path h="7644911" w="9864402">
-                <a:moveTo>
-                  <a:pt x="0" y="0"/>
-                </a:moveTo>
-                <a:lnTo>
-                  <a:pt x="9864402" y="0"/>
-                </a:lnTo>
-                <a:lnTo>
-                  <a:pt x="9864402" y="7644912"/>
-                </a:lnTo>
-                <a:lnTo>
-                  <a:pt x="0" y="7644912"/>
-                </a:lnTo>
-                <a:lnTo>
-                  <a:pt x="0" y="0"/>
-                </a:lnTo>
-                <a:close/>
-              </a:path>
-            </a:pathLst>
-          </a:custGeom>
-          <a:blipFill>
-            <a:blip r:embed="rId5"/>
-            <a:stretch>
-              <a:fillRect l="0" t="0" r="0" b="0"/>
-            </a:stretch>
-          </a:blipFill>
-        </p:spPr>
-      </p:sp>
-      <p:sp>
-        <p:nvSpPr>
-          <p:cNvPr name="TextBox 6" id="6"/>
+          <p:cNvPr name="TextBox 4" id="4"/>
           <p:cNvSpPr txBox="true"/>
           <p:nvPr/>
         </p:nvSpPr>
         <p:spPr>
           <a:xfrm rot="0">
             <a:off x="997905" y="450096"/>
-            <a:ext cx="14731604" cy="1844478"/>
+            <a:ext cx="14731604" cy="606228"/>
           </a:xfrm>
           <a:prstGeom prst="rect">
             <a:avLst/>
@@ -7358,7 +8456,7 @@
               </a:lnSpc>
             </a:pPr>
             <a:r>
-              <a:rPr lang="en-US" sz="3507" spc="-21" b="true">
+              <a:rPr lang="en-US" b="true" sz="3507" spc="-21">
                 <a:solidFill>
                   <a:srgbClr val="CE171E"/>
                 </a:solidFill>
@@ -7367,21 +8465,14 @@
                 <a:cs typeface="IBM Plex Sans Bold"/>
                 <a:sym typeface="IBM Plex Sans Bold"/>
               </a:rPr>
-              <a:t>Collecte et préparation des données - visualisation des indicateurs techniques et analyse de corrélation (matrice)</a:t>
-            </a:r>
-          </a:p>
-          <a:p>
-            <a:pPr algn="l">
-              <a:lnSpc>
-                <a:spcPts val="4910"/>
-              </a:lnSpc>
-            </a:pPr>
-          </a:p>
-        </p:txBody>
-      </p:sp>
-      <p:sp>
-        <p:nvSpPr>
-          <p:cNvPr name="TextBox 7" id="7"/>
+              <a:t>Collecte et préparation des données - Feature Engeneering</a:t>
+            </a:r>
+          </a:p>
+        </p:txBody>
+      </p:sp>
+      <p:sp>
+        <p:nvSpPr>
+          <p:cNvPr name="TextBox 5" id="5"/>
           <p:cNvSpPr txBox="true"/>
           <p:nvPr/>
         </p:nvSpPr>
@@ -7420,6 +8511,358 @@
               </a:rPr>
               <a:t>6</a:t>
             </a:r>
+          </a:p>
+        </p:txBody>
+      </p:sp>
+      <p:sp>
+        <p:nvSpPr>
+          <p:cNvPr name="TextBox 6" id="6"/>
+          <p:cNvSpPr txBox="true"/>
+          <p:nvPr/>
+        </p:nvSpPr>
+        <p:spPr>
+          <a:xfrm rot="0">
+            <a:off x="997905" y="1260686"/>
+            <a:ext cx="14430597" cy="6829337"/>
+          </a:xfrm>
+          <a:prstGeom prst="rect">
+            <a:avLst/>
+          </a:prstGeom>
+        </p:spPr>
+        <p:txBody>
+          <a:bodyPr anchor="t" rtlCol="false" tIns="0" lIns="0" bIns="0" rIns="0">
+            <a:spAutoFit/>
+          </a:bodyPr>
+          <a:lstStyle/>
+          <a:p>
+            <a:pPr algn="l" marL="705008" indent="-352504" lvl="1">
+              <a:lnSpc>
+                <a:spcPts val="4571"/>
+              </a:lnSpc>
+              <a:buFont typeface="Arial"/>
+              <a:buChar char="•"/>
+            </a:pPr>
+            <a:r>
+              <a:rPr lang="en-US" sz="3265" spc="-19">
+                <a:solidFill>
+                  <a:srgbClr val="000000"/>
+                </a:solidFill>
+                <a:latin typeface="IBM Plex Sans"/>
+                <a:ea typeface="IBM Plex Sans"/>
+                <a:cs typeface="IBM Plex Sans"/>
+                <a:sym typeface="IBM Plex Sans"/>
+              </a:rPr>
+              <a:t>Calcul des indicateurs techniques</a:t>
+            </a:r>
+          </a:p>
+          <a:p>
+            <a:pPr algn="l">
+              <a:lnSpc>
+                <a:spcPts val="4571"/>
+              </a:lnSpc>
+            </a:pPr>
+          </a:p>
+          <a:p>
+            <a:pPr algn="l">
+              <a:lnSpc>
+                <a:spcPts val="4571"/>
+              </a:lnSpc>
+            </a:pPr>
+          </a:p>
+          <a:p>
+            <a:pPr algn="l">
+              <a:lnSpc>
+                <a:spcPts val="4424"/>
+              </a:lnSpc>
+            </a:pPr>
+          </a:p>
+          <a:p>
+            <a:pPr algn="l">
+              <a:lnSpc>
+                <a:spcPts val="4424"/>
+              </a:lnSpc>
+            </a:pPr>
+          </a:p>
+          <a:p>
+            <a:pPr algn="l" marL="682323" indent="-341162" lvl="1">
+              <a:lnSpc>
+                <a:spcPts val="4424"/>
+              </a:lnSpc>
+              <a:buFont typeface="Arial"/>
+              <a:buChar char="•"/>
+            </a:pPr>
+            <a:r>
+              <a:rPr lang="en-US" sz="3160" spc="-18">
+                <a:solidFill>
+                  <a:srgbClr val="000000"/>
+                </a:solidFill>
+                <a:latin typeface="IBM Plex Sans"/>
+                <a:ea typeface="IBM Plex Sans"/>
+                <a:cs typeface="IBM Plex Sans"/>
+                <a:sym typeface="IBM Plex Sans"/>
+              </a:rPr>
+              <a:t>Décalage temporelle des variables (</a:t>
+            </a:r>
+            <a:r>
+              <a:rPr lang="en-US" sz="3160" i="true" spc="-18">
+                <a:solidFill>
+                  <a:srgbClr val="000000"/>
+                </a:solidFill>
+                <a:latin typeface="IBM Plex Sans Italics"/>
+                <a:ea typeface="IBM Plex Sans Italics"/>
+                <a:cs typeface="IBM Plex Sans Italics"/>
+                <a:sym typeface="IBM Plex Sans Italics"/>
+              </a:rPr>
+              <a:t>Les variables explicatives doivent  être affectées d’un décalage dans le temps sinon notre modèle ne prédira pas les prix futurs et donc n’aura aucune utilité pratique</a:t>
+            </a:r>
+            <a:r>
+              <a:rPr lang="en-US" sz="3160" spc="-18">
+                <a:solidFill>
+                  <a:srgbClr val="000000"/>
+                </a:solidFill>
+                <a:latin typeface="IBM Plex Sans"/>
+                <a:ea typeface="IBM Plex Sans"/>
+                <a:cs typeface="IBM Plex Sans"/>
+                <a:sym typeface="IBM Plex Sans"/>
+              </a:rPr>
+              <a:t> )</a:t>
+            </a:r>
+          </a:p>
+          <a:p>
+            <a:pPr algn="l">
+              <a:lnSpc>
+                <a:spcPts val="4424"/>
+              </a:lnSpc>
+            </a:pPr>
+          </a:p>
+          <a:p>
+            <a:pPr algn="l">
+              <a:lnSpc>
+                <a:spcPts val="4571"/>
+              </a:lnSpc>
+            </a:pPr>
+          </a:p>
+          <a:p>
+            <a:pPr algn="l">
+              <a:lnSpc>
+                <a:spcPts val="4571"/>
+              </a:lnSpc>
+            </a:pPr>
+          </a:p>
+          <a:p>
+            <a:pPr algn="l">
+              <a:lnSpc>
+                <a:spcPts val="4571"/>
+              </a:lnSpc>
+            </a:pPr>
+          </a:p>
+        </p:txBody>
+      </p:sp>
+      <p:sp>
+        <p:nvSpPr>
+          <p:cNvPr name="TextBox 7" id="7"/>
+          <p:cNvSpPr txBox="true"/>
+          <p:nvPr/>
+        </p:nvSpPr>
+        <p:spPr>
+          <a:xfrm rot="0">
+            <a:off x="3174652" y="1926339"/>
+            <a:ext cx="6560663" cy="2377079"/>
+          </a:xfrm>
+          <a:prstGeom prst="rect">
+            <a:avLst/>
+          </a:prstGeom>
+        </p:spPr>
+        <p:txBody>
+          <a:bodyPr anchor="t" rtlCol="false" tIns="0" lIns="0" bIns="0" rIns="0">
+            <a:spAutoFit/>
+          </a:bodyPr>
+          <a:lstStyle/>
+          <a:p>
+            <a:pPr algn="ctr">
+              <a:lnSpc>
+                <a:spcPts val="2751"/>
+              </a:lnSpc>
+            </a:pPr>
+            <a:r>
+              <a:rPr lang="en-US" b="true" sz="1965" spc="-13" u="sng">
+                <a:solidFill>
+                  <a:srgbClr val="0D109F"/>
+                </a:solidFill>
+                <a:latin typeface="IBM Plex Sans Bold"/>
+                <a:ea typeface="IBM Plex Sans Bold"/>
+                <a:cs typeface="IBM Plex Sans Bold"/>
+                <a:sym typeface="IBM Plex Sans Bold"/>
+              </a:rPr>
+              <a:t>Indicateurs techniques :</a:t>
+            </a:r>
+          </a:p>
+          <a:p>
+            <a:pPr algn="ctr">
+              <a:lnSpc>
+                <a:spcPts val="2066"/>
+              </a:lnSpc>
+            </a:pPr>
+          </a:p>
+          <a:p>
+            <a:pPr algn="l" marL="318717" indent="-159358" lvl="1">
+              <a:lnSpc>
+                <a:spcPts val="2066"/>
+              </a:lnSpc>
+              <a:buFont typeface="Arial"/>
+              <a:buChar char="•"/>
+            </a:pPr>
+            <a:r>
+              <a:rPr lang="en-US" sz="1476" spc="-10">
+                <a:solidFill>
+                  <a:srgbClr val="000000"/>
+                </a:solidFill>
+                <a:latin typeface="IBM Plex Sans"/>
+                <a:ea typeface="IBM Plex Sans"/>
+                <a:cs typeface="IBM Plex Sans"/>
+                <a:sym typeface="IBM Plex Sans"/>
+              </a:rPr>
+              <a:t> Prix d’ouverture ‘Open’</a:t>
+            </a:r>
+          </a:p>
+          <a:p>
+            <a:pPr algn="l" marL="318717" indent="-159358" lvl="1">
+              <a:lnSpc>
+                <a:spcPts val="2066"/>
+              </a:lnSpc>
+              <a:buFont typeface="Arial"/>
+              <a:buChar char="•"/>
+            </a:pPr>
+            <a:r>
+              <a:rPr lang="en-US" sz="1476" spc="-10">
+                <a:solidFill>
+                  <a:srgbClr val="000000"/>
+                </a:solidFill>
+                <a:latin typeface="IBM Plex Sans"/>
+                <a:ea typeface="IBM Plex Sans"/>
+                <a:cs typeface="IBM Plex Sans"/>
+                <a:sym typeface="IBM Plex Sans"/>
+              </a:rPr>
+              <a:t>High et Low</a:t>
+            </a:r>
+          </a:p>
+          <a:p>
+            <a:pPr algn="l" marL="318717" indent="-159358" lvl="1">
+              <a:lnSpc>
+                <a:spcPts val="2066"/>
+              </a:lnSpc>
+              <a:buFont typeface="Arial"/>
+              <a:buChar char="•"/>
+            </a:pPr>
+            <a:r>
+              <a:rPr lang="en-US" sz="1476" spc="-10">
+                <a:solidFill>
+                  <a:srgbClr val="000000"/>
+                </a:solidFill>
+                <a:latin typeface="IBM Plex Sans"/>
+                <a:ea typeface="IBM Plex Sans"/>
+                <a:cs typeface="IBM Plex Sans"/>
+                <a:sym typeface="IBM Plex Sans"/>
+              </a:rPr>
+              <a:t>Volume</a:t>
+            </a:r>
+          </a:p>
+          <a:p>
+            <a:pPr algn="l" marL="318717" indent="-159358" lvl="1">
+              <a:lnSpc>
+                <a:spcPts val="2066"/>
+              </a:lnSpc>
+              <a:buFont typeface="Arial"/>
+              <a:buChar char="•"/>
+            </a:pPr>
+            <a:r>
+              <a:rPr lang="en-US" sz="1476" spc="-10">
+                <a:solidFill>
+                  <a:srgbClr val="000000"/>
+                </a:solidFill>
+                <a:latin typeface="IBM Plex Sans"/>
+                <a:ea typeface="IBM Plex Sans"/>
+                <a:cs typeface="IBM Plex Sans"/>
+                <a:sym typeface="IBM Plex Sans"/>
+              </a:rPr>
+              <a:t>Moyennes Mobiles (SMA, EMA) </a:t>
+            </a:r>
+          </a:p>
+          <a:p>
+            <a:pPr algn="l" marL="318717" indent="-159358" lvl="1">
+              <a:lnSpc>
+                <a:spcPts val="2066"/>
+              </a:lnSpc>
+              <a:buFont typeface="Arial"/>
+              <a:buChar char="•"/>
+            </a:pPr>
+            <a:r>
+              <a:rPr lang="en-US" b="true" sz="1476" spc="-10">
+                <a:solidFill>
+                  <a:srgbClr val="CE171E"/>
+                </a:solidFill>
+                <a:latin typeface="IBM Plex Sans Bold"/>
+                <a:ea typeface="IBM Plex Sans Bold"/>
+                <a:cs typeface="IBM Plex Sans Bold"/>
+                <a:sym typeface="IBM Plex Sans Bold"/>
+              </a:rPr>
+              <a:t>RSI</a:t>
+            </a:r>
+            <a:r>
+              <a:rPr lang="en-US" sz="1476" spc="-10">
+                <a:solidFill>
+                  <a:srgbClr val="000000"/>
+                </a:solidFill>
+                <a:latin typeface="IBM Plex Sans"/>
+                <a:ea typeface="IBM Plex Sans"/>
+                <a:cs typeface="IBM Plex Sans"/>
+                <a:sym typeface="IBM Plex Sans"/>
+              </a:rPr>
+              <a:t> (Relative Strength Index) </a:t>
+            </a:r>
+          </a:p>
+          <a:p>
+            <a:pPr algn="l" marL="318717" indent="-159358" lvl="1">
+              <a:lnSpc>
+                <a:spcPts val="2066"/>
+              </a:lnSpc>
+              <a:buFont typeface="Arial"/>
+              <a:buChar char="•"/>
+            </a:pPr>
+            <a:r>
+              <a:rPr lang="en-US" b="true" sz="1476" spc="-10">
+                <a:solidFill>
+                  <a:srgbClr val="CE171E"/>
+                </a:solidFill>
+                <a:latin typeface="IBM Plex Sans Bold"/>
+                <a:ea typeface="IBM Plex Sans Bold"/>
+                <a:cs typeface="IBM Plex Sans Bold"/>
+                <a:sym typeface="IBM Plex Sans Bold"/>
+              </a:rPr>
+              <a:t>MACD</a:t>
+            </a:r>
+            <a:r>
+              <a:rPr lang="en-US" sz="1476" spc="-10">
+                <a:solidFill>
+                  <a:srgbClr val="000000"/>
+                </a:solidFill>
+                <a:latin typeface="IBM Plex Sans"/>
+                <a:ea typeface="IBM Plex Sans"/>
+                <a:cs typeface="IBM Plex Sans"/>
+                <a:sym typeface="IBM Plex Sans"/>
+              </a:rPr>
+              <a:t> (Moving Average Convergence Divergence) </a:t>
+            </a:r>
+          </a:p>
+          <a:p>
+            <a:pPr algn="ctr">
+              <a:lnSpc>
+                <a:spcPts val="2066"/>
+              </a:lnSpc>
+              <a:spcBef>
+                <a:spcPct val="0"/>
+              </a:spcBef>
+            </a:pPr>
           </a:p>
         </p:txBody>
       </p:sp>
@@ -7496,62 +8939,14 @@
       </p:sp>
       <p:sp>
         <p:nvSpPr>
-          <p:cNvPr name="TextBox 3" id="3"/>
-          <p:cNvSpPr txBox="true"/>
-          <p:nvPr/>
-        </p:nvSpPr>
-        <p:spPr>
-          <a:xfrm rot="0">
-            <a:off x="997905" y="450096"/>
-            <a:ext cx="12297437" cy="1225353"/>
-          </a:xfrm>
-          <a:prstGeom prst="rect">
-            <a:avLst/>
-          </a:prstGeom>
-        </p:spPr>
-        <p:txBody>
-          <a:bodyPr anchor="t" rtlCol="false" tIns="0" lIns="0" bIns="0" rIns="0">
-            <a:spAutoFit/>
-          </a:bodyPr>
-          <a:lstStyle/>
-          <a:p>
-            <a:pPr algn="l">
-              <a:lnSpc>
-                <a:spcPts val="4910"/>
-              </a:lnSpc>
-            </a:pPr>
-            <a:r>
-              <a:rPr lang="en-US" sz="3507" spc="-21" b="true">
-                <a:solidFill>
-                  <a:srgbClr val="CE171E"/>
-                </a:solidFill>
-                <a:latin typeface="IBM Plex Sans Bold"/>
-                <a:ea typeface="IBM Plex Sans Bold"/>
-                <a:cs typeface="IBM Plex Sans Bold"/>
-                <a:sym typeface="IBM Plex Sans Bold"/>
-              </a:rPr>
-              <a:t>2. Développement du modèle prédictif - Régression linéaire</a:t>
-            </a:r>
-          </a:p>
-          <a:p>
-            <a:pPr algn="l">
-              <a:lnSpc>
-                <a:spcPts val="4910"/>
-              </a:lnSpc>
-            </a:pPr>
-          </a:p>
-        </p:txBody>
-      </p:sp>
-      <p:sp>
-        <p:nvSpPr>
-          <p:cNvPr name="Freeform 4" id="4"/>
+          <p:cNvPr name="Freeform 3" id="3"/>
           <p:cNvSpPr/>
           <p:nvPr/>
         </p:nvSpPr>
         <p:spPr>
           <a:xfrm flipH="false" flipV="false" rot="0">
-            <a:off x="1980506" y="5112027"/>
-            <a:ext cx="4282290" cy="5174973"/>
+            <a:off x="1028700" y="2294574"/>
+            <a:ext cx="6618821" cy="3532796"/>
           </a:xfrm>
           <a:custGeom>
             <a:avLst/>
@@ -7560,18 +8955,18 @@
             <a:cxnLst/>
             <a:rect r="r" b="b" t="t" l="l"/>
             <a:pathLst>
-              <a:path h="5174973" w="4282290">
+              <a:path h="3532796" w="6618821">
                 <a:moveTo>
                   <a:pt x="0" y="0"/>
                 </a:moveTo>
                 <a:lnTo>
-                  <a:pt x="4282290" y="0"/>
-                </a:lnTo>
-                <a:lnTo>
-                  <a:pt x="4282290" y="5174973"/>
-                </a:lnTo>
-                <a:lnTo>
-                  <a:pt x="0" y="5174973"/>
+                  <a:pt x="6618821" y="0"/>
+                </a:lnTo>
+                <a:lnTo>
+                  <a:pt x="6618821" y="3532795"/>
+                </a:lnTo>
+                <a:lnTo>
+                  <a:pt x="0" y="3532795"/>
                 </a:lnTo>
                 <a:lnTo>
                   <a:pt x="0" y="0"/>
@@ -7590,14 +8985,14 @@
       </p:sp>
       <p:sp>
         <p:nvSpPr>
-          <p:cNvPr name="Freeform 5" id="5"/>
+          <p:cNvPr name="Freeform 4" id="4"/>
           <p:cNvSpPr/>
           <p:nvPr/>
         </p:nvSpPr>
         <p:spPr>
           <a:xfrm flipH="false" flipV="false" rot="0">
-            <a:off x="11147349" y="6429375"/>
-            <a:ext cx="5583478" cy="2053032"/>
+            <a:off x="1028700" y="6390067"/>
+            <a:ext cx="6618821" cy="3392146"/>
           </a:xfrm>
           <a:custGeom>
             <a:avLst/>
@@ -7606,18 +9001,18 @@
             <a:cxnLst/>
             <a:rect r="r" b="b" t="t" l="l"/>
             <a:pathLst>
-              <a:path h="2053032" w="5583478">
+              <a:path h="3392146" w="6618821">
                 <a:moveTo>
                   <a:pt x="0" y="0"/>
                 </a:moveTo>
                 <a:lnTo>
-                  <a:pt x="5583479" y="0"/>
-                </a:lnTo>
-                <a:lnTo>
-                  <a:pt x="5583479" y="2053032"/>
-                </a:lnTo>
-                <a:lnTo>
-                  <a:pt x="0" y="2053032"/>
+                  <a:pt x="6618821" y="0"/>
+                </a:lnTo>
+                <a:lnTo>
+                  <a:pt x="6618821" y="3392146"/>
+                </a:lnTo>
+                <a:lnTo>
+                  <a:pt x="0" y="3392146"/>
                 </a:lnTo>
                 <a:lnTo>
                   <a:pt x="0" y="0"/>
@@ -7636,14 +9031,60 @@
       </p:sp>
       <p:sp>
         <p:nvSpPr>
+          <p:cNvPr name="Freeform 5" id="5"/>
+          <p:cNvSpPr/>
+          <p:nvPr/>
+        </p:nvSpPr>
+        <p:spPr>
+          <a:xfrm flipH="false" flipV="false" rot="0">
+            <a:off x="7995534" y="2567611"/>
+            <a:ext cx="9864402" cy="7644911"/>
+          </a:xfrm>
+          <a:custGeom>
+            <a:avLst/>
+            <a:gdLst/>
+            <a:ahLst/>
+            <a:cxnLst/>
+            <a:rect r="r" b="b" t="t" l="l"/>
+            <a:pathLst>
+              <a:path h="7644911" w="9864402">
+                <a:moveTo>
+                  <a:pt x="0" y="0"/>
+                </a:moveTo>
+                <a:lnTo>
+                  <a:pt x="9864402" y="0"/>
+                </a:lnTo>
+                <a:lnTo>
+                  <a:pt x="9864402" y="7644912"/>
+                </a:lnTo>
+                <a:lnTo>
+                  <a:pt x="0" y="7644912"/>
+                </a:lnTo>
+                <a:lnTo>
+                  <a:pt x="0" y="0"/>
+                </a:lnTo>
+                <a:close/>
+              </a:path>
+            </a:pathLst>
+          </a:custGeom>
+          <a:blipFill>
+            <a:blip r:embed="rId5"/>
+            <a:stretch>
+              <a:fillRect l="0" t="0" r="0" b="0"/>
+            </a:stretch>
+          </a:blipFill>
+        </p:spPr>
+      </p:sp>
+      <p:sp>
+        <p:nvSpPr>
           <p:cNvPr name="TextBox 6" id="6"/>
           <p:cNvSpPr txBox="true"/>
           <p:nvPr/>
         </p:nvSpPr>
         <p:spPr>
           <a:xfrm rot="0">
-            <a:off x="997905" y="1747782"/>
-            <a:ext cx="8809084" cy="729828"/>
+            <a:off x="997905" y="450096"/>
+            <a:ext cx="14731604" cy="1844478"/>
           </a:xfrm>
           <a:prstGeom prst="rect">
             <a:avLst/>
@@ -7655,210 +9096,157 @@
           </a:bodyPr>
           <a:lstStyle/>
           <a:p>
-            <a:pPr algn="ctr" marL="520396" indent="-260198" lvl="1">
-              <a:lnSpc>
-                <a:spcPts val="3374"/>
-              </a:lnSpc>
-              <a:buFont typeface="Arial"/>
-              <a:buChar char="•"/>
-            </a:pPr>
-            <a:r>
-              <a:rPr lang="en-US" b="true" sz="2410" spc="-16" u="sng">
-                <a:solidFill>
-                  <a:srgbClr val="0D109F"/>
+            <a:pPr algn="l">
+              <a:lnSpc>
+                <a:spcPts val="4910"/>
+              </a:lnSpc>
+            </a:pPr>
+            <a:r>
+              <a:rPr lang="en-US" sz="3507" spc="-21" b="true">
+                <a:solidFill>
+                  <a:srgbClr val="CE171E"/>
                 </a:solidFill>
                 <a:latin typeface="IBM Plex Sans Bold"/>
                 <a:ea typeface="IBM Plex Sans Bold"/>
                 <a:cs typeface="IBM Plex Sans Bold"/>
                 <a:sym typeface="IBM Plex Sans Bold"/>
               </a:rPr>
-              <a:t>Choix de 2 modèles : Régression linéaire et RandomForest  </a:t>
-            </a:r>
-          </a:p>
+              <a:t>Collecte et préparation des données - visualisation des indicateurs techniques et analyse de corrélation (matrice)</a:t>
+            </a:r>
+          </a:p>
+          <a:p>
+            <a:pPr algn="l">
+              <a:lnSpc>
+                <a:spcPts val="4910"/>
+              </a:lnSpc>
+            </a:pPr>
+          </a:p>
+        </p:txBody>
+      </p:sp>
+      <p:sp>
+        <p:nvSpPr>
+          <p:cNvPr name="TextBox 7" id="7"/>
+          <p:cNvSpPr txBox="true"/>
+          <p:nvPr/>
+        </p:nvSpPr>
+        <p:spPr>
+          <a:xfrm rot="0">
+            <a:off x="17259300" y="9210675"/>
+            <a:ext cx="152400" cy="200025"/>
+          </a:xfrm>
+          <a:prstGeom prst="rect">
+            <a:avLst/>
+          </a:prstGeom>
+        </p:spPr>
+        <p:txBody>
+          <a:bodyPr anchor="t" rtlCol="false" tIns="0" lIns="0" bIns="0" rIns="0" wrap="none">
+            <a:spAutoFit/>
+          </a:bodyPr>
+          <a:lstStyle/>
           <a:p>
             <a:pPr algn="ctr">
               <a:lnSpc>
-                <a:spcPts val="2534"/>
+                <a:spcPts val="2800"/>
               </a:lnSpc>
               <a:spcBef>
                 <a:spcPct val="0"/>
               </a:spcBef>
             </a:pPr>
-          </a:p>
-        </p:txBody>
-      </p:sp>
-      <p:sp>
-        <p:nvSpPr>
-          <p:cNvPr name="TextBox 7" id="7"/>
-          <p:cNvSpPr txBox="true"/>
-          <p:nvPr/>
-        </p:nvSpPr>
-        <p:spPr>
-          <a:xfrm rot="0">
-            <a:off x="423333" y="2852683"/>
-            <a:ext cx="17864667" cy="2405117"/>
-          </a:xfrm>
-          <a:prstGeom prst="rect">
-            <a:avLst/>
-          </a:prstGeom>
-        </p:spPr>
-        <p:txBody>
-          <a:bodyPr anchor="t" rtlCol="false" tIns="0" lIns="0" bIns="0" rIns="0">
-            <a:spAutoFit/>
-          </a:bodyPr>
-          <a:lstStyle/>
-          <a:p>
-            <a:pPr algn="l">
-              <a:lnSpc>
-                <a:spcPts val="3234"/>
-              </a:lnSpc>
-            </a:pPr>
-            <a:r>
-              <a:rPr lang="en-US" b="true" sz="2310" spc="-16" u="sng">
+            <a:r>
+              <a:rPr lang="en-US" sz="2000">
                 <a:solidFill>
                   <a:srgbClr val="000000"/>
                 </a:solidFill>
-                <a:latin typeface="IBM Plex Sans Bold"/>
-                <a:ea typeface="IBM Plex Sans Bold"/>
-                <a:cs typeface="IBM Plex Sans Bold"/>
-                <a:sym typeface="IBM Plex Sans Bold"/>
-              </a:rPr>
-              <a:t>Modèle de régression linéaire</a:t>
-            </a:r>
-            <a:r>
-              <a:rPr lang="en-US" sz="2310" spc="-16">
-                <a:solidFill>
-                  <a:srgbClr val="000000"/>
-                </a:solidFill>
-                <a:latin typeface="IBM Plex Sans"/>
-                <a:ea typeface="IBM Plex Sans"/>
-                <a:cs typeface="IBM Plex Sans"/>
-                <a:sym typeface="IBM Plex Sans"/>
-              </a:rPr>
-              <a:t> en utilisant les variables explicatives suivante : </a:t>
-            </a:r>
-          </a:p>
-          <a:p>
-            <a:pPr algn="l">
-              <a:lnSpc>
-                <a:spcPts val="2534"/>
-              </a:lnSpc>
-            </a:pPr>
-            <a:r>
-              <a:rPr lang="en-US" sz="1810" spc="-12">
-                <a:solidFill>
-                  <a:srgbClr val="000000"/>
-                </a:solidFill>
-                <a:latin typeface="IBM Plex Sans"/>
-                <a:ea typeface="IBM Plex Sans"/>
-                <a:cs typeface="IBM Plex Sans"/>
-                <a:sym typeface="IBM Plex Sans"/>
-              </a:rPr>
-              <a:t>Open, 'High', 'Low', 'Volume_shift','Open_shift','close_shift','SP500_Close','VIX_Close_lag2','Taux_Close_lag2', 'USDX_Close_lag2','UMCSENT_lag2','UNRATE_lag2',</a:t>
-            </a:r>
-          </a:p>
-          <a:p>
-            <a:pPr algn="l">
-              <a:lnSpc>
-                <a:spcPts val="2534"/>
-              </a:lnSpc>
-            </a:pPr>
-            <a:r>
-              <a:rPr lang="en-US" sz="1810" spc="-12">
-                <a:solidFill>
-                  <a:srgbClr val="000000"/>
-                </a:solidFill>
-                <a:latin typeface="IBM Plex Sans"/>
-                <a:ea typeface="IBM Plex Sans"/>
-                <a:cs typeface="IBM Plex Sans"/>
-                <a:sym typeface="IBM Plex Sans"/>
-              </a:rPr>
-              <a:t>'SMA_20_lag2','RSI_14_lag2','MACD_lag2.</a:t>
-            </a:r>
-          </a:p>
-          <a:p>
-            <a:pPr algn="l">
-              <a:lnSpc>
-                <a:spcPts val="2534"/>
-              </a:lnSpc>
-            </a:pPr>
-          </a:p>
-          <a:p>
-            <a:pPr algn="l">
-              <a:lnSpc>
-                <a:spcPts val="2954"/>
-              </a:lnSpc>
-            </a:pPr>
-            <a:r>
-              <a:rPr lang="en-US" sz="2110" spc="-14">
-                <a:solidFill>
-                  <a:srgbClr val="000000"/>
-                </a:solidFill>
-                <a:latin typeface="IBM Plex Sans"/>
-                <a:ea typeface="IBM Plex Sans"/>
-                <a:cs typeface="IBM Plex Sans"/>
-                <a:sym typeface="IBM Plex Sans"/>
-              </a:rPr>
-              <a:t>T</a:t>
-            </a:r>
-            <a:r>
-              <a:rPr lang="en-US" sz="2110" spc="-14">
-                <a:solidFill>
-                  <a:srgbClr val="000000"/>
-                </a:solidFill>
-                <a:latin typeface="IBM Plex Sans"/>
-                <a:ea typeface="IBM Plex Sans"/>
-                <a:cs typeface="IBM Plex Sans"/>
-                <a:sym typeface="IBM Plex Sans"/>
-              </a:rPr>
-              <a:t>outes les variables explicatives considérées sont affectées d'un </a:t>
-            </a:r>
-            <a:r>
-              <a:rPr lang="en-US" b="true" sz="2110" spc="-14" u="sng">
-                <a:solidFill>
-                  <a:srgbClr val="000000"/>
-                </a:solidFill>
-                <a:latin typeface="IBM Plex Sans Bold"/>
-                <a:ea typeface="IBM Plex Sans Bold"/>
-                <a:cs typeface="IBM Plex Sans Bold"/>
-                <a:sym typeface="IBM Plex Sans Bold"/>
-              </a:rPr>
-              <a:t>shift</a:t>
-            </a:r>
-            <a:r>
-              <a:rPr lang="en-US" sz="2110" spc="-14">
-                <a:solidFill>
-                  <a:srgbClr val="000000"/>
-                </a:solidFill>
-                <a:latin typeface="IBM Plex Sans"/>
-                <a:ea typeface="IBM Plex Sans"/>
-                <a:cs typeface="IBM Plex Sans"/>
-                <a:sym typeface="IBM Plex Sans"/>
-              </a:rPr>
-              <a:t> (décalage temporelle d'au moins un jour) à l'exception de la variable 'Open' qui est le prix du SP500 à l'ouverture. Le décalage est nécessaire car l'objectif est de prédire le futur.</a:t>
-            </a:r>
-          </a:p>
-          <a:p>
-            <a:pPr algn="l">
-              <a:lnSpc>
-                <a:spcPts val="2534"/>
-              </a:lnSpc>
-              <a:spcBef>
-                <a:spcPct val="0"/>
-              </a:spcBef>
-            </a:pPr>
-          </a:p>
-        </p:txBody>
-      </p:sp>
-      <p:sp>
-        <p:nvSpPr>
-          <p:cNvPr name="Freeform 8" id="8"/>
+                <a:latin typeface="Open Sans"/>
+                <a:ea typeface="Open Sans"/>
+                <a:cs typeface="Open Sans"/>
+                <a:sym typeface="Open Sans"/>
+              </a:rPr>
+              <a:t>7</a:t>
+            </a:r>
+          </a:p>
+        </p:txBody>
+      </p:sp>
+    </p:spTree>
+  </p:cSld>
+  <p:clrMapOvr>
+    <a:masterClrMapping/>
+  </p:clrMapOvr>
+</p:sld>
+</file>
+
+<file path=ppt/slides/slide8.xml><?xml version="1.0" encoding="utf-8"?>
+<p:sld xmlns:p="http://schemas.openxmlformats.org/presentationml/2006/main" xmlns:a="http://schemas.openxmlformats.org/drawingml/2006/main" xmlns:r="http://schemas.openxmlformats.org/officeDocument/2006/relationships">
+  <p:cSld>
+    <p:spTree>
+      <p:nvGrpSpPr>
+        <p:cNvPr id="1" name=""/>
+        <p:cNvGrpSpPr/>
+        <p:nvPr/>
+      </p:nvGrpSpPr>
+      <p:grpSpPr>
+        <a:xfrm>
+          <a:off x="0" y="0"/>
+          <a:ext cx="0" cy="0"/>
+          <a:chOff x="0" y="0"/>
+          <a:chExt cx="0" cy="0"/>
+        </a:xfrm>
+      </p:grpSpPr>
+      <p:sp>
+        <p:nvSpPr>
+          <p:cNvPr name="Freeform 2" id="2"/>
           <p:cNvSpPr/>
           <p:nvPr/>
         </p:nvSpPr>
         <p:spPr>
           <a:xfrm flipH="false" flipV="false" rot="0">
-            <a:off x="7768579" y="6486525"/>
+            <a:off x="16552236" y="233584"/>
+            <a:ext cx="1498695" cy="1498695"/>
+          </a:xfrm>
+          <a:custGeom>
+            <a:avLst/>
+            <a:gdLst/>
+            <a:ahLst/>
+            <a:cxnLst/>
+            <a:rect r="r" b="b" t="t" l="l"/>
+            <a:pathLst>
+              <a:path h="1498695" w="1498695">
+                <a:moveTo>
+                  <a:pt x="0" y="0"/>
+                </a:moveTo>
+                <a:lnTo>
+                  <a:pt x="1498695" y="0"/>
+                </a:lnTo>
+                <a:lnTo>
+                  <a:pt x="1498695" y="1498695"/>
+                </a:lnTo>
+                <a:lnTo>
+                  <a:pt x="0" y="1498695"/>
+                </a:lnTo>
+                <a:lnTo>
+                  <a:pt x="0" y="0"/>
+                </a:lnTo>
+                <a:close/>
+              </a:path>
+            </a:pathLst>
+          </a:custGeom>
+          <a:blipFill>
+            <a:blip r:embed="rId2"/>
+            <a:stretch>
+              <a:fillRect l="0" t="0" r="0" b="0"/>
+            </a:stretch>
+          </a:blipFill>
+        </p:spPr>
+      </p:sp>
+      <p:sp>
+        <p:nvSpPr>
+          <p:cNvPr name="Freeform 3" id="3"/>
+          <p:cNvSpPr/>
+          <p:nvPr/>
+        </p:nvSpPr>
+        <p:spPr>
+          <a:xfrm flipH="false" flipV="false" rot="0">
+            <a:off x="6578302" y="4752975"/>
             <a:ext cx="1136643" cy="350939"/>
           </a:xfrm>
           <a:custGeom>
@@ -7889,10 +9277,10 @@
             </a:pathLst>
           </a:custGeom>
           <a:blipFill>
-            <a:blip r:embed="rId5">
+            <a:blip r:embed="rId3">
               <a:extLst>
                 <a:ext uri="{96DAC541-7B7A-43D3-8B79-37D633B846F1}">
-                  <asvg:svgBlip xmlns:asvg="http://schemas.microsoft.com/office/drawing/2016/SVG/main" r:embed="rId6"/>
+                  <asvg:svgBlip xmlns:asvg="http://schemas.microsoft.com/office/drawing/2016/SVG/main" r:embed="rId4"/>
                 </a:ext>
               </a:extLst>
             </a:blip>
@@ -7904,13 +9292,13 @@
       </p:sp>
       <p:grpSp>
         <p:nvGrpSpPr>
-          <p:cNvPr name="Group 9" id="9"/>
+          <p:cNvPr name="Group 4" id="4"/>
           <p:cNvGrpSpPr/>
           <p:nvPr/>
         </p:nvGrpSpPr>
         <p:grpSpPr>
           <a:xfrm rot="0">
-            <a:off x="6477652" y="6961289"/>
+            <a:off x="5692412" y="5191647"/>
             <a:ext cx="3718496" cy="988188"/>
             <a:chOff x="0" y="0"/>
             <a:chExt cx="979357" cy="260264"/>
@@ -7918,7 +9306,7 @@
         </p:grpSpPr>
         <p:sp>
           <p:nvSpPr>
-            <p:cNvPr name="Freeform 10" id="10"/>
+            <p:cNvPr name="Freeform 5" id="5"/>
             <p:cNvSpPr/>
             <p:nvPr/>
           </p:nvSpPr>
@@ -7986,7 +9374,7 @@
         </p:sp>
         <p:sp>
           <p:nvSpPr>
-            <p:cNvPr name="TextBox 11" id="11"/>
+            <p:cNvPr name="TextBox 6" id="6"/>
             <p:cNvSpPr txBox="true"/>
             <p:nvPr/>
           </p:nvSpPr>
@@ -8014,127 +9402,14 @@
       </p:grpSp>
       <p:sp>
         <p:nvSpPr>
-          <p:cNvPr name="TextBox 12" id="12"/>
-          <p:cNvSpPr txBox="true"/>
-          <p:nvPr/>
-        </p:nvSpPr>
-        <p:spPr>
-          <a:xfrm rot="0">
-            <a:off x="6744560" y="7090389"/>
-            <a:ext cx="3184680" cy="691887"/>
-          </a:xfrm>
-          <a:prstGeom prst="rect">
-            <a:avLst/>
-          </a:prstGeom>
-        </p:spPr>
-        <p:txBody>
-          <a:bodyPr anchor="t" rtlCol="false" tIns="0" lIns="0" bIns="0" rIns="0">
-            <a:spAutoFit/>
-          </a:bodyPr>
-          <a:lstStyle/>
-          <a:p>
-            <a:pPr algn="ctr">
-              <a:lnSpc>
-                <a:spcPts val="2814"/>
-              </a:lnSpc>
-              <a:spcBef>
-                <a:spcPct val="0"/>
-              </a:spcBef>
-            </a:pPr>
-            <a:r>
-              <a:rPr lang="en-US" sz="2010" spc="-14">
-                <a:solidFill>
-                  <a:srgbClr val="000000"/>
-                </a:solidFill>
-                <a:latin typeface="IBM Plex Sans"/>
-                <a:ea typeface="IBM Plex Sans"/>
-                <a:cs typeface="IBM Plex Sans"/>
-                <a:sym typeface="IBM Plex Sans"/>
-              </a:rPr>
-              <a:t>Réduction de notre univers à des features pertinentes</a:t>
-            </a:r>
-          </a:p>
-        </p:txBody>
-      </p:sp>
-      <p:sp>
-        <p:nvSpPr>
-          <p:cNvPr name="TextBox 13" id="13"/>
-          <p:cNvSpPr txBox="true"/>
-          <p:nvPr/>
-        </p:nvSpPr>
-        <p:spPr>
-          <a:xfrm rot="0">
-            <a:off x="17259300" y="9210675"/>
-            <a:ext cx="152400" cy="200025"/>
-          </a:xfrm>
-          <a:prstGeom prst="rect">
-            <a:avLst/>
-          </a:prstGeom>
-        </p:spPr>
-        <p:txBody>
-          <a:bodyPr anchor="t" rtlCol="false" tIns="0" lIns="0" bIns="0" rIns="0" wrap="none">
-            <a:spAutoFit/>
-          </a:bodyPr>
-          <a:lstStyle/>
-          <a:p>
-            <a:pPr algn="ctr">
-              <a:lnSpc>
-                <a:spcPts val="2800"/>
-              </a:lnSpc>
-              <a:spcBef>
-                <a:spcPct val="0"/>
-              </a:spcBef>
-            </a:pPr>
-            <a:r>
-              <a:rPr lang="en-US" sz="2000">
-                <a:solidFill>
-                  <a:srgbClr val="000000"/>
-                </a:solidFill>
-                <a:latin typeface="Open Sans"/>
-                <a:ea typeface="Open Sans"/>
-                <a:cs typeface="Open Sans"/>
-                <a:sym typeface="Open Sans"/>
-              </a:rPr>
-              <a:t>7</a:t>
-            </a:r>
-          </a:p>
-        </p:txBody>
-      </p:sp>
-    </p:spTree>
-  </p:cSld>
-  <p:clrMapOvr>
-    <a:masterClrMapping/>
-  </p:clrMapOvr>
-</p:sld>
-</file>
-
-<file path=ppt/slides/slide8.xml><?xml version="1.0" encoding="utf-8"?>
-<p:sld xmlns:p="http://schemas.openxmlformats.org/presentationml/2006/main" xmlns:a="http://schemas.openxmlformats.org/drawingml/2006/main" xmlns:r="http://schemas.openxmlformats.org/officeDocument/2006/relationships">
-  <p:cSld>
-    <p:spTree>
-      <p:nvGrpSpPr>
-        <p:cNvPr id="1" name=""/>
-        <p:cNvGrpSpPr/>
-        <p:nvPr/>
-      </p:nvGrpSpPr>
-      <p:grpSpPr>
-        <a:xfrm>
-          <a:off x="0" y="0"/>
-          <a:ext cx="0" cy="0"/>
-          <a:chOff x="0" y="0"/>
-          <a:chExt cx="0" cy="0"/>
-        </a:xfrm>
-      </p:grpSpPr>
-      <p:sp>
-        <p:nvSpPr>
-          <p:cNvPr name="Freeform 2" id="2"/>
+          <p:cNvPr name="Freeform 7" id="7"/>
           <p:cNvSpPr/>
           <p:nvPr/>
         </p:nvSpPr>
         <p:spPr>
           <a:xfrm flipH="false" flipV="false" rot="0">
-            <a:off x="16552236" y="233584"/>
-            <a:ext cx="1498695" cy="1498695"/>
+            <a:off x="997905" y="5257800"/>
+            <a:ext cx="3995527" cy="4324427"/>
           </a:xfrm>
           <a:custGeom>
             <a:avLst/>
@@ -8143,204 +9418,18 @@
             <a:cxnLst/>
             <a:rect r="r" b="b" t="t" l="l"/>
             <a:pathLst>
-              <a:path h="1498695" w="1498695">
+              <a:path h="4324427" w="3995527">
                 <a:moveTo>
                   <a:pt x="0" y="0"/>
                 </a:moveTo>
                 <a:lnTo>
-                  <a:pt x="1498695" y="0"/>
-                </a:lnTo>
-                <a:lnTo>
-                  <a:pt x="1498695" y="1498695"/>
-                </a:lnTo>
-                <a:lnTo>
-                  <a:pt x="0" y="1498695"/>
-                </a:lnTo>
-                <a:lnTo>
-                  <a:pt x="0" y="0"/>
-                </a:lnTo>
-                <a:close/>
-              </a:path>
-            </a:pathLst>
-          </a:custGeom>
-          <a:blipFill>
-            <a:blip r:embed="rId2"/>
-            <a:stretch>
-              <a:fillRect l="0" t="0" r="0" b="0"/>
-            </a:stretch>
-          </a:blipFill>
-        </p:spPr>
-      </p:sp>
-      <p:sp>
-        <p:nvSpPr>
-          <p:cNvPr name="TextBox 3" id="3"/>
-          <p:cNvSpPr txBox="true"/>
-          <p:nvPr/>
-        </p:nvSpPr>
-        <p:spPr>
-          <a:xfrm rot="0">
-            <a:off x="997905" y="450096"/>
-            <a:ext cx="13652104" cy="1225353"/>
-          </a:xfrm>
-          <a:prstGeom prst="rect">
-            <a:avLst/>
-          </a:prstGeom>
-        </p:spPr>
-        <p:txBody>
-          <a:bodyPr anchor="t" rtlCol="false" tIns="0" lIns="0" bIns="0" rIns="0">
-            <a:spAutoFit/>
-          </a:bodyPr>
-          <a:lstStyle/>
-          <a:p>
-            <a:pPr algn="l">
-              <a:lnSpc>
-                <a:spcPts val="4910"/>
-              </a:lnSpc>
-            </a:pPr>
-            <a:r>
-              <a:rPr lang="en-US" sz="3507" spc="-21" b="true">
-                <a:solidFill>
-                  <a:srgbClr val="CE171E"/>
-                </a:solidFill>
-                <a:latin typeface="IBM Plex Sans Bold"/>
-                <a:ea typeface="IBM Plex Sans Bold"/>
-                <a:cs typeface="IBM Plex Sans Bold"/>
-                <a:sym typeface="IBM Plex Sans Bold"/>
-              </a:rPr>
-              <a:t>2. Développement du modèle prédictif - Régression linéaire -2-</a:t>
-            </a:r>
-          </a:p>
-          <a:p>
-            <a:pPr algn="l">
-              <a:lnSpc>
-                <a:spcPts val="4910"/>
-              </a:lnSpc>
-            </a:pPr>
-          </a:p>
-        </p:txBody>
-      </p:sp>
-      <p:sp>
-        <p:nvSpPr>
-          <p:cNvPr name="Freeform 4" id="4"/>
-          <p:cNvSpPr/>
-          <p:nvPr/>
-        </p:nvSpPr>
-        <p:spPr>
-          <a:xfrm flipH="false" flipV="false" rot="0">
-            <a:off x="555069" y="3986569"/>
-            <a:ext cx="7568196" cy="5867478"/>
-          </a:xfrm>
-          <a:custGeom>
-            <a:avLst/>
-            <a:gdLst/>
-            <a:ahLst/>
-            <a:cxnLst/>
-            <a:rect r="r" b="b" t="t" l="l"/>
-            <a:pathLst>
-              <a:path h="5867478" w="7568196">
-                <a:moveTo>
-                  <a:pt x="0" y="0"/>
-                </a:moveTo>
-                <a:lnTo>
-                  <a:pt x="7568196" y="0"/>
-                </a:lnTo>
-                <a:lnTo>
-                  <a:pt x="7568196" y="5867478"/>
-                </a:lnTo>
-                <a:lnTo>
-                  <a:pt x="0" y="5867478"/>
-                </a:lnTo>
-                <a:lnTo>
-                  <a:pt x="0" y="0"/>
-                </a:lnTo>
-                <a:close/>
-              </a:path>
-            </a:pathLst>
-          </a:custGeom>
-          <a:blipFill>
-            <a:blip r:embed="rId3"/>
-            <a:stretch>
-              <a:fillRect l="0" t="0" r="0" b="0"/>
-            </a:stretch>
-          </a:blipFill>
-        </p:spPr>
-      </p:sp>
-      <p:sp>
-        <p:nvSpPr>
-          <p:cNvPr name="Freeform 5" id="5"/>
-          <p:cNvSpPr/>
-          <p:nvPr/>
-        </p:nvSpPr>
-        <p:spPr>
-          <a:xfrm flipH="false" flipV="false" rot="0">
-            <a:off x="8355493" y="3937927"/>
-            <a:ext cx="4195486" cy="3356388"/>
-          </a:xfrm>
-          <a:custGeom>
-            <a:avLst/>
-            <a:gdLst/>
-            <a:ahLst/>
-            <a:cxnLst/>
-            <a:rect r="r" b="b" t="t" l="l"/>
-            <a:pathLst>
-              <a:path h="3356388" w="4195486">
-                <a:moveTo>
-                  <a:pt x="0" y="0"/>
-                </a:moveTo>
-                <a:lnTo>
-                  <a:pt x="4195486" y="0"/>
-                </a:lnTo>
-                <a:lnTo>
-                  <a:pt x="4195486" y="3356388"/>
-                </a:lnTo>
-                <a:lnTo>
-                  <a:pt x="0" y="3356388"/>
-                </a:lnTo>
-                <a:lnTo>
-                  <a:pt x="0" y="0"/>
-                </a:lnTo>
-                <a:close/>
-              </a:path>
-            </a:pathLst>
-          </a:custGeom>
-          <a:blipFill>
-            <a:blip r:embed="rId4"/>
-            <a:stretch>
-              <a:fillRect l="0" t="0" r="0" b="0"/>
-            </a:stretch>
-          </a:blipFill>
-        </p:spPr>
-      </p:sp>
-      <p:sp>
-        <p:nvSpPr>
-          <p:cNvPr name="Freeform 6" id="6"/>
-          <p:cNvSpPr/>
-          <p:nvPr/>
-        </p:nvSpPr>
-        <p:spPr>
-          <a:xfrm flipH="false" flipV="false" rot="0">
-            <a:off x="12887210" y="3895263"/>
-            <a:ext cx="4414374" cy="3441715"/>
-          </a:xfrm>
-          <a:custGeom>
-            <a:avLst/>
-            <a:gdLst/>
-            <a:ahLst/>
-            <a:cxnLst/>
-            <a:rect r="r" b="b" t="t" l="l"/>
-            <a:pathLst>
-              <a:path h="3441715" w="4414374">
-                <a:moveTo>
-                  <a:pt x="0" y="0"/>
-                </a:moveTo>
-                <a:lnTo>
-                  <a:pt x="4414374" y="0"/>
-                </a:lnTo>
-                <a:lnTo>
-                  <a:pt x="4414374" y="3441716"/>
-                </a:lnTo>
-                <a:lnTo>
-                  <a:pt x="0" y="3441716"/>
+                  <a:pt x="3995527" y="0"/>
+                </a:lnTo>
+                <a:lnTo>
+                  <a:pt x="3995527" y="4324427"/>
+                </a:lnTo>
+                <a:lnTo>
+                  <a:pt x="0" y="4324427"/>
                 </a:lnTo>
                 <a:lnTo>
                   <a:pt x="0" y="0"/>
@@ -8359,14 +9448,60 @@
       </p:sp>
       <p:sp>
         <p:nvSpPr>
-          <p:cNvPr name="TextBox 7" id="7"/>
+          <p:cNvPr name="Freeform 8" id="8"/>
+          <p:cNvSpPr/>
+          <p:nvPr/>
+        </p:nvSpPr>
+        <p:spPr>
+          <a:xfrm flipH="false" flipV="false" rot="0">
+            <a:off x="11157032" y="6661994"/>
+            <a:ext cx="4624261" cy="1381639"/>
+          </a:xfrm>
+          <a:custGeom>
+            <a:avLst/>
+            <a:gdLst/>
+            <a:ahLst/>
+            <a:cxnLst/>
+            <a:rect r="r" b="b" t="t" l="l"/>
+            <a:pathLst>
+              <a:path h="1381639" w="4624261">
+                <a:moveTo>
+                  <a:pt x="0" y="0"/>
+                </a:moveTo>
+                <a:lnTo>
+                  <a:pt x="4624261" y="0"/>
+                </a:lnTo>
+                <a:lnTo>
+                  <a:pt x="4624261" y="1381639"/>
+                </a:lnTo>
+                <a:lnTo>
+                  <a:pt x="0" y="1381639"/>
+                </a:lnTo>
+                <a:lnTo>
+                  <a:pt x="0" y="0"/>
+                </a:lnTo>
+                <a:close/>
+              </a:path>
+            </a:pathLst>
+          </a:custGeom>
+          <a:blipFill>
+            <a:blip r:embed="rId6"/>
+            <a:stretch>
+              <a:fillRect l="0" t="0" r="0" b="0"/>
+            </a:stretch>
+          </a:blipFill>
+        </p:spPr>
+      </p:sp>
+      <p:sp>
+        <p:nvSpPr>
+          <p:cNvPr name="TextBox 9" id="9"/>
           <p:cNvSpPr txBox="true"/>
           <p:nvPr/>
         </p:nvSpPr>
         <p:spPr>
           <a:xfrm rot="0">
-            <a:off x="997905" y="1747782"/>
-            <a:ext cx="8809084" cy="729828"/>
+            <a:off x="997905" y="450096"/>
+            <a:ext cx="12297437" cy="1225353"/>
           </a:xfrm>
           <a:prstGeom prst="rect">
             <a:avLst/>
@@ -8378,48 +9513,43 @@
           </a:bodyPr>
           <a:lstStyle/>
           <a:p>
-            <a:pPr algn="ctr" marL="520396" indent="-260198" lvl="1">
-              <a:lnSpc>
-                <a:spcPts val="3374"/>
-              </a:lnSpc>
-              <a:buFont typeface="Arial"/>
-              <a:buChar char="•"/>
-            </a:pPr>
-            <a:r>
-              <a:rPr lang="en-US" b="true" sz="2410" spc="-16" u="sng">
-                <a:solidFill>
-                  <a:srgbClr val="0D109F"/>
+            <a:pPr algn="l">
+              <a:lnSpc>
+                <a:spcPts val="4910"/>
+              </a:lnSpc>
+            </a:pPr>
+            <a:r>
+              <a:rPr lang="en-US" sz="3507" spc="-21" b="true">
+                <a:solidFill>
+                  <a:srgbClr val="CE171E"/>
                 </a:solidFill>
                 <a:latin typeface="IBM Plex Sans Bold"/>
                 <a:ea typeface="IBM Plex Sans Bold"/>
                 <a:cs typeface="IBM Plex Sans Bold"/>
                 <a:sym typeface="IBM Plex Sans Bold"/>
               </a:rPr>
-              <a:t>Choix de 2 modèles : Régression linéaire et RandomForest  </a:t>
-            </a:r>
-          </a:p>
-          <a:p>
-            <a:pPr algn="ctr">
-              <a:lnSpc>
-                <a:spcPts val="2534"/>
-              </a:lnSpc>
-              <a:spcBef>
-                <a:spcPct val="0"/>
-              </a:spcBef>
-            </a:pPr>
-          </a:p>
-        </p:txBody>
-      </p:sp>
-      <p:sp>
-        <p:nvSpPr>
-          <p:cNvPr name="TextBox 8" id="8"/>
+              <a:t>2. Développement du modèle prédictif - Régression linéaire</a:t>
+            </a:r>
+          </a:p>
+          <a:p>
+            <a:pPr algn="l">
+              <a:lnSpc>
+                <a:spcPts val="4910"/>
+              </a:lnSpc>
+            </a:pPr>
+          </a:p>
+        </p:txBody>
+      </p:sp>
+      <p:sp>
+        <p:nvSpPr>
+          <p:cNvPr name="TextBox 10" id="10"/>
           <p:cNvSpPr txBox="true"/>
           <p:nvPr/>
         </p:nvSpPr>
         <p:spPr>
           <a:xfrm rot="0">
-            <a:off x="1028700" y="2682061"/>
-            <a:ext cx="15953789" cy="980177"/>
+            <a:off x="997905" y="1747782"/>
+            <a:ext cx="8809084" cy="729828"/>
           </a:xfrm>
           <a:prstGeom prst="rect">
             <a:avLst/>
@@ -8431,16 +9561,78 @@
           </a:bodyPr>
           <a:lstStyle/>
           <a:p>
-            <a:pPr algn="just">
-              <a:lnSpc>
-                <a:spcPts val="2674"/>
+            <a:pPr algn="ctr" marL="520396" indent="-260198" lvl="1">
+              <a:lnSpc>
+                <a:spcPts val="3374"/>
+              </a:lnSpc>
+              <a:buFont typeface="Arial"/>
+              <a:buChar char="•"/>
+            </a:pPr>
+            <a:r>
+              <a:rPr lang="en-US" b="true" sz="2410" spc="-16" u="sng">
+                <a:solidFill>
+                  <a:srgbClr val="0D109F"/>
+                </a:solidFill>
+                <a:latin typeface="IBM Plex Sans Bold"/>
+                <a:ea typeface="IBM Plex Sans Bold"/>
+                <a:cs typeface="IBM Plex Sans Bold"/>
+                <a:sym typeface="IBM Plex Sans Bold"/>
+              </a:rPr>
+              <a:t>Choix de 2 modèles : Régression linéaire et RandomForest  </a:t>
+            </a:r>
+          </a:p>
+          <a:p>
+            <a:pPr algn="ctr">
+              <a:lnSpc>
+                <a:spcPts val="2534"/>
               </a:lnSpc>
               <a:spcBef>
                 <a:spcPct val="0"/>
               </a:spcBef>
             </a:pPr>
-            <a:r>
-              <a:rPr lang="en-US" sz="1910" spc="-13">
+          </a:p>
+        </p:txBody>
+      </p:sp>
+      <p:sp>
+        <p:nvSpPr>
+          <p:cNvPr name="TextBox 11" id="11"/>
+          <p:cNvSpPr txBox="true"/>
+          <p:nvPr/>
+        </p:nvSpPr>
+        <p:spPr>
+          <a:xfrm rot="0">
+            <a:off x="423333" y="2852683"/>
+            <a:ext cx="17864667" cy="1776467"/>
+          </a:xfrm>
+          <a:prstGeom prst="rect">
+            <a:avLst/>
+          </a:prstGeom>
+        </p:spPr>
+        <p:txBody>
+          <a:bodyPr anchor="t" rtlCol="false" tIns="0" lIns="0" bIns="0" rIns="0">
+            <a:spAutoFit/>
+          </a:bodyPr>
+          <a:lstStyle/>
+          <a:p>
+            <a:pPr algn="l">
+              <a:lnSpc>
+                <a:spcPts val="3234"/>
+              </a:lnSpc>
+            </a:pPr>
+            <a:r>
+              <a:rPr lang="en-US" b="true" sz="2310" spc="-16" u="sng">
+                <a:solidFill>
+                  <a:srgbClr val="000000"/>
+                </a:solidFill>
+                <a:latin typeface="IBM Plex Sans Bold"/>
+                <a:ea typeface="IBM Plex Sans Bold"/>
+                <a:cs typeface="IBM Plex Sans Bold"/>
+                <a:sym typeface="IBM Plex Sans Bold"/>
+              </a:rPr>
+              <a:t>Modèle de régression linéaire</a:t>
+            </a:r>
+            <a:r>
+              <a:rPr lang="en-US" sz="2310" spc="-16">
                 <a:solidFill>
                   <a:srgbClr val="000000"/>
                 </a:solidFill>
@@ -8449,30 +9641,24 @@
                 <a:cs typeface="IBM Plex Sans"/>
                 <a:sym typeface="IBM Plex Sans"/>
               </a:rPr>
-              <a:t>On va tracer un scatterplot des résidus en fonction des prédictions afin de nous assurer que la régression linéaire arrive à expliquer notre target.</a:t>
-            </a:r>
-          </a:p>
-          <a:p>
-            <a:pPr algn="just">
-              <a:lnSpc>
-                <a:spcPts val="2674"/>
-              </a:lnSpc>
-              <a:spcBef>
-                <a:spcPct val="0"/>
-              </a:spcBef>
-            </a:pPr>
-          </a:p>
-          <a:p>
-            <a:pPr algn="just">
-              <a:lnSpc>
-                <a:spcPts val="2674"/>
-              </a:lnSpc>
-              <a:spcBef>
-                <a:spcPct val="0"/>
-              </a:spcBef>
-            </a:pPr>
-            <a:r>
-              <a:rPr lang="en-US" sz="1910" spc="-13">
+              <a:t> </a:t>
+            </a:r>
+          </a:p>
+          <a:p>
+            <a:pPr algn="l">
+              <a:lnSpc>
+                <a:spcPts val="2534"/>
+              </a:lnSpc>
+            </a:pPr>
+          </a:p>
+          <a:p>
+            <a:pPr algn="l">
+              <a:lnSpc>
+                <a:spcPts val="2954"/>
+              </a:lnSpc>
+            </a:pPr>
+            <a:r>
+              <a:rPr lang="en-US" sz="2110" spc="-14">
                 <a:solidFill>
                   <a:srgbClr val="000000"/>
                 </a:solidFill>
@@ -8481,21 +9667,67 @@
                 <a:cs typeface="IBM Plex Sans"/>
                 <a:sym typeface="IBM Plex Sans"/>
               </a:rPr>
-              <a:t>Si tel est le cas, les residuals seront distribués suivant une loi normale.</a:t>
-            </a:r>
-          </a:p>
-        </p:txBody>
-      </p:sp>
-      <p:sp>
-        <p:nvSpPr>
-          <p:cNvPr name="TextBox 9" id="9"/>
+              <a:t>T</a:t>
+            </a:r>
+            <a:r>
+              <a:rPr lang="en-US" sz="2110" spc="-14">
+                <a:solidFill>
+                  <a:srgbClr val="000000"/>
+                </a:solidFill>
+                <a:latin typeface="IBM Plex Sans"/>
+                <a:ea typeface="IBM Plex Sans"/>
+                <a:cs typeface="IBM Plex Sans"/>
+                <a:sym typeface="IBM Plex Sans"/>
+              </a:rPr>
+              <a:t>outes les variables explicatives considérées sont affectées d'un </a:t>
+            </a:r>
+            <a:r>
+              <a:rPr lang="en-US" b="true" sz="2110" spc="-14" u="sng">
+                <a:solidFill>
+                  <a:srgbClr val="000000"/>
+                </a:solidFill>
+                <a:latin typeface="IBM Plex Sans Bold"/>
+                <a:ea typeface="IBM Plex Sans Bold"/>
+                <a:cs typeface="IBM Plex Sans Bold"/>
+                <a:sym typeface="IBM Plex Sans Bold"/>
+              </a:rPr>
+              <a:t>shift</a:t>
+            </a:r>
+            <a:r>
+              <a:rPr lang="en-US" sz="2110" spc="-14">
+                <a:solidFill>
+                  <a:srgbClr val="000000"/>
+                </a:solidFill>
+                <a:latin typeface="IBM Plex Sans"/>
+                <a:ea typeface="IBM Plex Sans"/>
+                <a:cs typeface="IBM Plex Sans"/>
+                <a:sym typeface="IBM Plex Sans"/>
+              </a:rPr>
+              <a:t> (décalage temporelle d'au moins un jour) à l'exception de la variable 'Open' qui est le prix du SP500 à l'ouverture. Le décalage est nécessaire car l'objectif est de prédire le futur.</a:t>
+            </a:r>
+          </a:p>
+          <a:p>
+            <a:pPr algn="l">
+              <a:lnSpc>
+                <a:spcPts val="2534"/>
+              </a:lnSpc>
+              <a:spcBef>
+                <a:spcPct val="0"/>
+              </a:spcBef>
+            </a:pPr>
+          </a:p>
+        </p:txBody>
+      </p:sp>
+      <p:sp>
+        <p:nvSpPr>
+          <p:cNvPr name="TextBox 12" id="12"/>
           <p:cNvSpPr txBox="true"/>
           <p:nvPr/>
         </p:nvSpPr>
         <p:spPr>
           <a:xfrm rot="0">
-            <a:off x="8434053" y="7527479"/>
-            <a:ext cx="9616878" cy="2840092"/>
+            <a:off x="5959320" y="5297497"/>
+            <a:ext cx="3184680" cy="691887"/>
           </a:xfrm>
           <a:prstGeom prst="rect">
             <a:avLst/>
@@ -8507,13 +9739,16 @@
           </a:bodyPr>
           <a:lstStyle/>
           <a:p>
-            <a:pPr algn="l">
-              <a:lnSpc>
-                <a:spcPts val="2534"/>
-              </a:lnSpc>
-            </a:pPr>
-            <a:r>
-              <a:rPr lang="en-US" sz="1810" spc="-12">
+            <a:pPr algn="ctr">
+              <a:lnSpc>
+                <a:spcPts val="2814"/>
+              </a:lnSpc>
+              <a:spcBef>
+                <a:spcPct val="0"/>
+              </a:spcBef>
+            </a:pPr>
+            <a:r>
+              <a:rPr lang="en-US" sz="2010" spc="-14">
                 <a:solidFill>
                   <a:srgbClr val="000000"/>
                 </a:solidFill>
@@ -8522,24 +9757,259 @@
                 <a:cs typeface="IBM Plex Sans"/>
                 <a:sym typeface="IBM Plex Sans"/>
               </a:rPr>
-              <a:t>Les résidus sont relativement éparpillés ce qui est laisse entendre que la régression linéaire semble être un modèle pertinent.</a:t>
-            </a:r>
-          </a:p>
+              <a:t>Réduction de notre univers à des features pertinentes</a:t>
+            </a:r>
+          </a:p>
+        </p:txBody>
+      </p:sp>
+      <p:sp>
+        <p:nvSpPr>
+          <p:cNvPr name="TextBox 13" id="13"/>
+          <p:cNvSpPr txBox="true"/>
+          <p:nvPr/>
+        </p:nvSpPr>
+        <p:spPr>
+          <a:xfrm rot="0">
+            <a:off x="17259300" y="9210675"/>
+            <a:ext cx="152400" cy="200025"/>
+          </a:xfrm>
+          <a:prstGeom prst="rect">
+            <a:avLst/>
+          </a:prstGeom>
+        </p:spPr>
+        <p:txBody>
+          <a:bodyPr anchor="t" rtlCol="false" tIns="0" lIns="0" bIns="0" rIns="0" wrap="none">
+            <a:spAutoFit/>
+          </a:bodyPr>
+          <a:lstStyle/>
           <a:p>
             <a:pPr algn="ctr">
               <a:lnSpc>
-                <a:spcPts val="2534"/>
-              </a:lnSpc>
-            </a:pPr>
-          </a:p>
-          <a:p>
-            <a:pPr algn="l">
-              <a:lnSpc>
-                <a:spcPts val="2534"/>
-              </a:lnSpc>
-            </a:pPr>
-            <a:r>
-              <a:rPr lang="en-US" sz="1810" spc="-12">
+                <a:spcPts val="2800"/>
+              </a:lnSpc>
+              <a:spcBef>
+                <a:spcPct val="0"/>
+              </a:spcBef>
+            </a:pPr>
+            <a:r>
+              <a:rPr lang="en-US" sz="2000">
+                <a:solidFill>
+                  <a:srgbClr val="000000"/>
+                </a:solidFill>
+                <a:latin typeface="Open Sans"/>
+                <a:ea typeface="Open Sans"/>
+                <a:cs typeface="Open Sans"/>
+                <a:sym typeface="Open Sans"/>
+              </a:rPr>
+              <a:t>8</a:t>
+            </a:r>
+          </a:p>
+        </p:txBody>
+      </p:sp>
+      <p:sp>
+        <p:nvSpPr>
+          <p:cNvPr name="TextBox 14" id="14"/>
+          <p:cNvSpPr txBox="true"/>
+          <p:nvPr/>
+        </p:nvSpPr>
+        <p:spPr>
+          <a:xfrm rot="0">
+            <a:off x="5136493" y="8512707"/>
+            <a:ext cx="12546509" cy="737037"/>
+          </a:xfrm>
+          <a:prstGeom prst="rect">
+            <a:avLst/>
+          </a:prstGeom>
+        </p:spPr>
+        <p:txBody>
+          <a:bodyPr anchor="t" rtlCol="false" tIns="0" lIns="0" bIns="0" rIns="0">
+            <a:spAutoFit/>
+          </a:bodyPr>
+          <a:lstStyle/>
+          <a:p>
+            <a:pPr algn="ctr">
+              <a:lnSpc>
+                <a:spcPts val="2950"/>
+              </a:lnSpc>
+            </a:pPr>
+            <a:r>
+              <a:rPr lang="en-US" b="true" sz="2107" spc="-12">
+                <a:solidFill>
+                  <a:srgbClr val="CE171E"/>
+                </a:solidFill>
+                <a:latin typeface="IBM Plex Sans Bold"/>
+                <a:ea typeface="IBM Plex Sans Bold"/>
+                <a:cs typeface="IBM Plex Sans Bold"/>
+                <a:sym typeface="IBM Plex Sans Bold"/>
+              </a:rPr>
+              <a:t>Ainsi on peut remarquer un gain de 4 unités de MAE et de 3 unités RMSE après réduction des features</a:t>
+            </a:r>
+          </a:p>
+          <a:p>
+            <a:pPr algn="ctr">
+              <a:lnSpc>
+                <a:spcPts val="2950"/>
+              </a:lnSpc>
+              <a:spcBef>
+                <a:spcPct val="0"/>
+              </a:spcBef>
+            </a:pPr>
+            <a:r>
+              <a:rPr lang="en-US" b="true" sz="2107" spc="-12">
+                <a:solidFill>
+                  <a:srgbClr val="CE171E"/>
+                </a:solidFill>
+                <a:latin typeface="IBM Plex Sans Bold"/>
+                <a:ea typeface="IBM Plex Sans Bold"/>
+                <a:cs typeface="IBM Plex Sans Bold"/>
+                <a:sym typeface="IBM Plex Sans Bold"/>
+              </a:rPr>
+              <a:t>En plus du créer un modèle plus rapide à entrainer et plus interprétable</a:t>
+            </a:r>
+          </a:p>
+        </p:txBody>
+      </p:sp>
+      <p:grpSp>
+        <p:nvGrpSpPr>
+          <p:cNvPr name="Group 15" id="15"/>
+          <p:cNvGrpSpPr/>
+          <p:nvPr/>
+        </p:nvGrpSpPr>
+        <p:grpSpPr>
+          <a:xfrm rot="0">
+            <a:off x="9708013" y="4695825"/>
+            <a:ext cx="8121691" cy="1484011"/>
+            <a:chOff x="0" y="0"/>
+            <a:chExt cx="2139046" cy="390851"/>
+          </a:xfrm>
+        </p:grpSpPr>
+        <p:sp>
+          <p:nvSpPr>
+            <p:cNvPr name="Freeform 16" id="16"/>
+            <p:cNvSpPr/>
+            <p:nvPr/>
+          </p:nvSpPr>
+          <p:spPr>
+            <a:xfrm flipH="false" flipV="false" rot="0">
+              <a:off x="0" y="0"/>
+              <a:ext cx="2139046" cy="390851"/>
+            </a:xfrm>
+            <a:custGeom>
+              <a:avLst/>
+              <a:gdLst/>
+              <a:ahLst/>
+              <a:cxnLst/>
+              <a:rect r="r" b="b" t="t" l="l"/>
+              <a:pathLst>
+                <a:path h="390851" w="2139046">
+                  <a:moveTo>
+                    <a:pt x="48615" y="0"/>
+                  </a:moveTo>
+                  <a:lnTo>
+                    <a:pt x="2090431" y="0"/>
+                  </a:lnTo>
+                  <a:cubicBezTo>
+                    <a:pt x="2103325" y="0"/>
+                    <a:pt x="2115690" y="5122"/>
+                    <a:pt x="2124807" y="14239"/>
+                  </a:cubicBezTo>
+                  <a:cubicBezTo>
+                    <a:pt x="2133924" y="23356"/>
+                    <a:pt x="2139046" y="35722"/>
+                    <a:pt x="2139046" y="48615"/>
+                  </a:cubicBezTo>
+                  <a:lnTo>
+                    <a:pt x="2139046" y="342235"/>
+                  </a:lnTo>
+                  <a:cubicBezTo>
+                    <a:pt x="2139046" y="369085"/>
+                    <a:pt x="2117281" y="390851"/>
+                    <a:pt x="2090431" y="390851"/>
+                  </a:cubicBezTo>
+                  <a:lnTo>
+                    <a:pt x="48615" y="390851"/>
+                  </a:lnTo>
+                  <a:cubicBezTo>
+                    <a:pt x="21766" y="390851"/>
+                    <a:pt x="0" y="369085"/>
+                    <a:pt x="0" y="342235"/>
+                  </a:cubicBezTo>
+                  <a:lnTo>
+                    <a:pt x="0" y="48615"/>
+                  </a:lnTo>
+                  <a:cubicBezTo>
+                    <a:pt x="0" y="21766"/>
+                    <a:pt x="21766" y="0"/>
+                    <a:pt x="48615" y="0"/>
+                  </a:cubicBezTo>
+                  <a:close/>
+                </a:path>
+              </a:pathLst>
+            </a:custGeom>
+            <a:solidFill>
+              <a:srgbClr val="FFCACA"/>
+            </a:solidFill>
+          </p:spPr>
+        </p:sp>
+        <p:sp>
+          <p:nvSpPr>
+            <p:cNvPr name="TextBox 17" id="17"/>
+            <p:cNvSpPr txBox="true"/>
+            <p:nvPr/>
+          </p:nvSpPr>
+          <p:spPr>
+            <a:xfrm>
+              <a:off x="0" y="-38100"/>
+              <a:ext cx="2139046" cy="428951"/>
+            </a:xfrm>
+            <a:prstGeom prst="rect">
+              <a:avLst/>
+            </a:prstGeom>
+          </p:spPr>
+          <p:txBody>
+            <a:bodyPr anchor="ctr" rtlCol="false" tIns="50800" lIns="50800" bIns="50800" rIns="50800"/>
+            <a:lstStyle/>
+            <a:p>
+              <a:pPr algn="ctr">
+                <a:lnSpc>
+                  <a:spcPts val="2534"/>
+                </a:lnSpc>
+              </a:pPr>
+            </a:p>
+          </p:txBody>
+        </p:sp>
+      </p:grpSp>
+      <p:sp>
+        <p:nvSpPr>
+          <p:cNvPr name="TextBox 18" id="18"/>
+          <p:cNvSpPr txBox="true"/>
+          <p:nvPr/>
+        </p:nvSpPr>
+        <p:spPr>
+          <a:xfrm rot="0">
+            <a:off x="10062694" y="5022172"/>
+            <a:ext cx="7877624" cy="908136"/>
+          </a:xfrm>
+          <a:prstGeom prst="rect">
+            <a:avLst/>
+          </a:prstGeom>
+        </p:spPr>
+        <p:txBody>
+          <a:bodyPr anchor="t" rtlCol="false" tIns="0" lIns="0" bIns="0" rIns="0">
+            <a:spAutoFit/>
+          </a:bodyPr>
+          <a:lstStyle/>
+          <a:p>
+            <a:pPr algn="ctr">
+              <a:lnSpc>
+                <a:spcPts val="2458"/>
+              </a:lnSpc>
+              <a:spcBef>
+                <a:spcPct val="0"/>
+              </a:spcBef>
+            </a:pPr>
+            <a:r>
+              <a:rPr lang="en-US" sz="1755" spc="-12">
                 <a:solidFill>
                   <a:srgbClr val="000000"/>
                 </a:solidFill>
@@ -8548,94 +10018,7 @@
                 <a:cs typeface="IBM Plex Sans"/>
                 <a:sym typeface="IBM Plex Sans"/>
               </a:rPr>
-              <a:t>Le courbe d'évolution du RMSE sur les données d'entrainement fluctue peu au fil de l'évolution des données d'entrainement, alors que c’est l’inverse pour les données de test.</a:t>
-            </a:r>
-          </a:p>
-          <a:p>
-            <a:pPr algn="l">
-              <a:lnSpc>
-                <a:spcPts val="2534"/>
-              </a:lnSpc>
-            </a:pPr>
-          </a:p>
-          <a:p>
-            <a:pPr algn="ctr">
-              <a:lnSpc>
-                <a:spcPts val="2674"/>
-              </a:lnSpc>
-            </a:pPr>
-            <a:r>
-              <a:rPr lang="en-US" b="true" sz="1910" spc="-13" u="sng">
-                <a:solidFill>
-                  <a:srgbClr val="CE171E"/>
-                </a:solidFill>
-                <a:latin typeface="IBM Plex Sans Bold"/>
-                <a:ea typeface="IBM Plex Sans Bold"/>
-                <a:cs typeface="IBM Plex Sans Bold"/>
-                <a:sym typeface="IBM Plex Sans Bold"/>
-              </a:rPr>
-              <a:t> Ainsi le modèle apprend bien mais il a du mal à se généraliser.</a:t>
-            </a:r>
-          </a:p>
-          <a:p>
-            <a:pPr algn="ctr">
-              <a:lnSpc>
-                <a:spcPts val="2534"/>
-              </a:lnSpc>
-            </a:pPr>
-          </a:p>
-          <a:p>
-            <a:pPr algn="ctr">
-              <a:lnSpc>
-                <a:spcPts val="2534"/>
-              </a:lnSpc>
-              <a:spcBef>
-                <a:spcPct val="0"/>
-              </a:spcBef>
-            </a:pPr>
-          </a:p>
-        </p:txBody>
-      </p:sp>
-      <p:sp>
-        <p:nvSpPr>
-          <p:cNvPr name="TextBox 10" id="10"/>
-          <p:cNvSpPr txBox="true"/>
-          <p:nvPr/>
-        </p:nvSpPr>
-        <p:spPr>
-          <a:xfrm rot="0">
-            <a:off x="17259300" y="9210675"/>
-            <a:ext cx="152400" cy="200025"/>
-          </a:xfrm>
-          <a:prstGeom prst="rect">
-            <a:avLst/>
-          </a:prstGeom>
-        </p:spPr>
-        <p:txBody>
-          <a:bodyPr anchor="t" rtlCol="false" tIns="0" lIns="0" bIns="0" rIns="0" wrap="none">
-            <a:spAutoFit/>
-          </a:bodyPr>
-          <a:lstStyle/>
-          <a:p>
-            <a:pPr algn="ctr">
-              <a:lnSpc>
-                <a:spcPts val="2800"/>
-              </a:lnSpc>
-              <a:spcBef>
-                <a:spcPct val="0"/>
-              </a:spcBef>
-            </a:pPr>
-            <a:r>
-              <a:rPr lang="en-US" sz="2000">
-                <a:solidFill>
-                  <a:srgbClr val="000000"/>
-                </a:solidFill>
-                <a:latin typeface="Open Sans"/>
-                <a:ea typeface="Open Sans"/>
-                <a:cs typeface="Open Sans"/>
-                <a:sym typeface="Open Sans"/>
-              </a:rPr>
-              <a:t>8</a:t>
+              <a:t>le prix à l'ouverture au jour ou l'on prédit, le prix low et le prix high du jour avant, le volume du jour avant, le VIX deux jours avant, le prix à l'ouverture du jour avant, le prix close 2 jours avant et le prix close du jour avant.</a:t>
             </a:r>
           </a:p>
         </p:txBody>
@@ -8720,7 +10103,7 @@
         <p:spPr>
           <a:xfrm rot="0">
             <a:off x="997905" y="450096"/>
-            <a:ext cx="12297437" cy="1225353"/>
+            <a:ext cx="13652104" cy="1225353"/>
           </a:xfrm>
           <a:prstGeom prst="rect">
             <a:avLst/>
@@ -8747,7 +10130,7 @@
                 <a:cs typeface="IBM Plex Sans Bold"/>
                 <a:sym typeface="IBM Plex Sans Bold"/>
               </a:rPr>
-              <a:t>2. Développement du modèle prédictif - Random Forrest</a:t>
+              <a:t>2. Développement du modèle prédictif - Régression linéaire -2-</a:t>
             </a:r>
           </a:p>
           <a:p>
@@ -8767,8 +10150,8 @@
         </p:nvSpPr>
         <p:spPr>
           <a:xfrm flipH="false" flipV="false" rot="0">
-            <a:off x="9238667" y="5855866"/>
-            <a:ext cx="1136643" cy="350939"/>
+            <a:off x="555069" y="3986569"/>
+            <a:ext cx="7568196" cy="5867478"/>
           </a:xfrm>
           <a:custGeom>
             <a:avLst/>
@@ -8777,18 +10160,18 @@
             <a:cxnLst/>
             <a:rect r="r" b="b" t="t" l="l"/>
             <a:pathLst>
-              <a:path h="350939" w="1136643">
+              <a:path h="5867478" w="7568196">
                 <a:moveTo>
                   <a:pt x="0" y="0"/>
                 </a:moveTo>
                 <a:lnTo>
-                  <a:pt x="1136643" y="0"/>
-                </a:lnTo>
-                <a:lnTo>
-                  <a:pt x="1136643" y="350939"/>
-                </a:lnTo>
-                <a:lnTo>
-                  <a:pt x="0" y="350939"/>
+                  <a:pt x="7568196" y="0"/>
+                </a:lnTo>
+                <a:lnTo>
+                  <a:pt x="7568196" y="5867478"/>
+                </a:lnTo>
+                <a:lnTo>
+                  <a:pt x="0" y="5867478"/>
                 </a:lnTo>
                 <a:lnTo>
                   <a:pt x="0" y="0"/>
@@ -8798,13 +10181,7 @@
             </a:pathLst>
           </a:custGeom>
           <a:blipFill>
-            <a:blip r:embed="rId3">
-              <a:extLst>
-                <a:ext uri="{96DAC541-7B7A-43D3-8B79-37D633B846F1}">
-                  <asvg:svgBlip xmlns:asvg="http://schemas.microsoft.com/office/drawing/2016/SVG/main" r:embed="rId4"/>
-                </a:ext>
-              </a:extLst>
-            </a:blip>
+            <a:blip r:embed="rId3"/>
             <a:stretch>
               <a:fillRect l="0" t="0" r="0" b="0"/>
             </a:stretch>
@@ -8819,8 +10196,8 @@
         </p:nvSpPr>
         <p:spPr>
           <a:xfrm flipH="false" flipV="false" rot="0">
-            <a:off x="604290" y="4237996"/>
-            <a:ext cx="8539710" cy="1793339"/>
+            <a:off x="8355493" y="3937927"/>
+            <a:ext cx="4195486" cy="3356388"/>
           </a:xfrm>
           <a:custGeom>
             <a:avLst/>
@@ -8829,18 +10206,64 @@
             <a:cxnLst/>
             <a:rect r="r" b="b" t="t" l="l"/>
             <a:pathLst>
-              <a:path h="1793339" w="8539710">
+              <a:path h="3356388" w="4195486">
                 <a:moveTo>
                   <a:pt x="0" y="0"/>
                 </a:moveTo>
                 <a:lnTo>
-                  <a:pt x="8539710" y="0"/>
-                </a:lnTo>
-                <a:lnTo>
-                  <a:pt x="8539710" y="1793339"/>
-                </a:lnTo>
-                <a:lnTo>
-                  <a:pt x="0" y="1793339"/>
+                  <a:pt x="4195486" y="0"/>
+                </a:lnTo>
+                <a:lnTo>
+                  <a:pt x="4195486" y="3356388"/>
+                </a:lnTo>
+                <a:lnTo>
+                  <a:pt x="0" y="3356388"/>
+                </a:lnTo>
+                <a:lnTo>
+                  <a:pt x="0" y="0"/>
+                </a:lnTo>
+                <a:close/>
+              </a:path>
+            </a:pathLst>
+          </a:custGeom>
+          <a:blipFill>
+            <a:blip r:embed="rId4"/>
+            <a:stretch>
+              <a:fillRect l="0" t="0" r="0" b="0"/>
+            </a:stretch>
+          </a:blipFill>
+        </p:spPr>
+      </p:sp>
+      <p:sp>
+        <p:nvSpPr>
+          <p:cNvPr name="Freeform 6" id="6"/>
+          <p:cNvSpPr/>
+          <p:nvPr/>
+        </p:nvSpPr>
+        <p:spPr>
+          <a:xfrm flipH="false" flipV="false" rot="0">
+            <a:off x="12887210" y="3895263"/>
+            <a:ext cx="4414374" cy="3441715"/>
+          </a:xfrm>
+          <a:custGeom>
+            <a:avLst/>
+            <a:gdLst/>
+            <a:ahLst/>
+            <a:cxnLst/>
+            <a:rect r="r" b="b" t="t" l="l"/>
+            <a:pathLst>
+              <a:path h="3441715" w="4414374">
+                <a:moveTo>
+                  <a:pt x="0" y="0"/>
+                </a:moveTo>
+                <a:lnTo>
+                  <a:pt x="4414374" y="0"/>
+                </a:lnTo>
+                <a:lnTo>
+                  <a:pt x="4414374" y="3441716"/>
+                </a:lnTo>
+                <a:lnTo>
+                  <a:pt x="0" y="3441716"/>
                 </a:lnTo>
                 <a:lnTo>
                   <a:pt x="0" y="0"/>
@@ -8859,99 +10282,7 @@
       </p:sp>
       <p:sp>
         <p:nvSpPr>
-          <p:cNvPr name="Freeform 6" id="6"/>
-          <p:cNvSpPr/>
-          <p:nvPr/>
-        </p:nvSpPr>
-        <p:spPr>
-          <a:xfrm flipH="false" flipV="false" rot="0">
-            <a:off x="309119" y="6540412"/>
-            <a:ext cx="4565026" cy="3559173"/>
-          </a:xfrm>
-          <a:custGeom>
-            <a:avLst/>
-            <a:gdLst/>
-            <a:ahLst/>
-            <a:cxnLst/>
-            <a:rect r="r" b="b" t="t" l="l"/>
-            <a:pathLst>
-              <a:path h="3559173" w="4565026">
-                <a:moveTo>
-                  <a:pt x="0" y="0"/>
-                </a:moveTo>
-                <a:lnTo>
-                  <a:pt x="4565026" y="0"/>
-                </a:lnTo>
-                <a:lnTo>
-                  <a:pt x="4565026" y="3559173"/>
-                </a:lnTo>
-                <a:lnTo>
-                  <a:pt x="0" y="3559173"/>
-                </a:lnTo>
-                <a:lnTo>
-                  <a:pt x="0" y="0"/>
-                </a:lnTo>
-                <a:close/>
-              </a:path>
-            </a:pathLst>
-          </a:custGeom>
-          <a:blipFill>
-            <a:blip r:embed="rId6"/>
-            <a:stretch>
-              <a:fillRect l="0" t="0" r="0" b="0"/>
-            </a:stretch>
-          </a:blipFill>
-        </p:spPr>
-      </p:sp>
-      <p:sp>
-        <p:nvSpPr>
-          <p:cNvPr name="Freeform 7" id="7"/>
-          <p:cNvSpPr/>
-          <p:nvPr/>
-        </p:nvSpPr>
-        <p:spPr>
-          <a:xfrm flipH="false" flipV="false" rot="0">
-            <a:off x="4874145" y="6454335"/>
-            <a:ext cx="4615996" cy="3645250"/>
-          </a:xfrm>
-          <a:custGeom>
-            <a:avLst/>
-            <a:gdLst/>
-            <a:ahLst/>
-            <a:cxnLst/>
-            <a:rect r="r" b="b" t="t" l="l"/>
-            <a:pathLst>
-              <a:path h="3645250" w="4615996">
-                <a:moveTo>
-                  <a:pt x="0" y="0"/>
-                </a:moveTo>
-                <a:lnTo>
-                  <a:pt x="4615996" y="0"/>
-                </a:lnTo>
-                <a:lnTo>
-                  <a:pt x="4615996" y="3645250"/>
-                </a:lnTo>
-                <a:lnTo>
-                  <a:pt x="0" y="3645250"/>
-                </a:lnTo>
-                <a:lnTo>
-                  <a:pt x="0" y="0"/>
-                </a:lnTo>
-                <a:close/>
-              </a:path>
-            </a:pathLst>
-          </a:custGeom>
-          <a:blipFill>
-            <a:blip r:embed="rId7"/>
-            <a:stretch>
-              <a:fillRect l="0" t="0" r="0" b="0"/>
-            </a:stretch>
-          </a:blipFill>
-        </p:spPr>
-      </p:sp>
-      <p:sp>
-        <p:nvSpPr>
-          <p:cNvPr name="TextBox 8" id="8"/>
+          <p:cNvPr name="TextBox 7" id="7"/>
           <p:cNvSpPr txBox="true"/>
           <p:nvPr/>
         </p:nvSpPr>
@@ -9004,14 +10335,14 @@
       </p:sp>
       <p:sp>
         <p:nvSpPr>
-          <p:cNvPr name="TextBox 9" id="9"/>
+          <p:cNvPr name="TextBox 8" id="8"/>
           <p:cNvSpPr txBox="true"/>
           <p:nvPr/>
         </p:nvSpPr>
         <p:spPr>
           <a:xfrm rot="0">
-            <a:off x="1120156" y="2568210"/>
-            <a:ext cx="17589500" cy="1669787"/>
+            <a:off x="1028700" y="2682061"/>
+            <a:ext cx="15953789" cy="980177"/>
           </a:xfrm>
           <a:prstGeom prst="rect">
             <a:avLst/>
@@ -9023,13 +10354,16 @@
           </a:bodyPr>
           <a:lstStyle/>
           <a:p>
-            <a:pPr algn="l">
-              <a:lnSpc>
-                <a:spcPts val="2814"/>
-              </a:lnSpc>
-            </a:pPr>
-            <a:r>
-              <a:rPr lang="en-US" sz="2010" spc="-14">
+            <a:pPr algn="just">
+              <a:lnSpc>
+                <a:spcPts val="2674"/>
+              </a:lnSpc>
+              <a:spcBef>
+                <a:spcPct val="0"/>
+              </a:spcBef>
+            </a:pPr>
+            <a:r>
+              <a:rPr lang="en-US" sz="1910" spc="-13">
                 <a:solidFill>
                   <a:srgbClr val="000000"/>
                 </a:solidFill>
@@ -9038,24 +10372,30 @@
                 <a:cs typeface="IBM Plex Sans"/>
                 <a:sym typeface="IBM Plex Sans"/>
               </a:rPr>
-              <a:t>Nous allons commencer par faire une recherche de feature pour le random forest regressor sur l'univers de variable initiale du linear regression. </a:t>
-            </a:r>
-          </a:p>
-          <a:p>
-            <a:pPr algn="l">
-              <a:lnSpc>
-                <a:spcPts val="2814"/>
-              </a:lnSpc>
-            </a:pPr>
-          </a:p>
-          <a:p>
-            <a:pPr algn="l">
-              <a:lnSpc>
-                <a:spcPts val="2814"/>
-              </a:lnSpc>
-            </a:pPr>
-            <a:r>
-              <a:rPr lang="en-US" sz="2010" spc="-14">
+              <a:t>On va tracer un scatterplot des résidus en fonction des prédictions afin de nous assurer que la régression linéaire arrive à expliquer notre target.</a:t>
+            </a:r>
+          </a:p>
+          <a:p>
+            <a:pPr algn="just">
+              <a:lnSpc>
+                <a:spcPts val="2674"/>
+              </a:lnSpc>
+              <a:spcBef>
+                <a:spcPct val="0"/>
+              </a:spcBef>
+            </a:pPr>
+          </a:p>
+          <a:p>
+            <a:pPr algn="just">
+              <a:lnSpc>
+                <a:spcPts val="2674"/>
+              </a:lnSpc>
+              <a:spcBef>
+                <a:spcPct val="0"/>
+              </a:spcBef>
+            </a:pPr>
+            <a:r>
+              <a:rPr lang="en-US" sz="1910" spc="-13">
                 <a:solidFill>
                   <a:srgbClr val="000000"/>
                 </a:solidFill>
@@ -9064,156 +10404,21 @@
                 <a:cs typeface="IBM Plex Sans"/>
                 <a:sym typeface="IBM Plex Sans"/>
               </a:rPr>
-              <a:t>Ensuite nous allons faire une optimization des différents hyperparamètres du random forest regressor sur un univers de variables réduits avant de construire le modèle finale et de l'évaluer.</a:t>
-            </a:r>
-          </a:p>
-          <a:p>
-            <a:pPr algn="l">
-              <a:lnSpc>
-                <a:spcPts val="2114"/>
-              </a:lnSpc>
-              <a:spcBef>
-                <a:spcPct val="0"/>
-              </a:spcBef>
-            </a:pPr>
-          </a:p>
-        </p:txBody>
-      </p:sp>
-      <p:grpSp>
-        <p:nvGrpSpPr>
-          <p:cNvPr name="Group 10" id="10"/>
-          <p:cNvGrpSpPr/>
-          <p:nvPr/>
-        </p:nvGrpSpPr>
-        <p:grpSpPr>
-          <a:xfrm rot="0">
-            <a:off x="10605478" y="4867678"/>
-            <a:ext cx="7445454" cy="2263252"/>
-            <a:chOff x="0" y="0"/>
-            <a:chExt cx="1960943" cy="596083"/>
-          </a:xfrm>
-        </p:grpSpPr>
-        <p:sp>
-          <p:nvSpPr>
-            <p:cNvPr name="Freeform 11" id="11"/>
-            <p:cNvSpPr/>
-            <p:nvPr/>
-          </p:nvSpPr>
-          <p:spPr>
-            <a:xfrm flipH="false" flipV="false" rot="0">
-              <a:off x="0" y="0"/>
-              <a:ext cx="1960943" cy="596083"/>
-            </a:xfrm>
-            <a:custGeom>
-              <a:avLst/>
-              <a:gdLst/>
-              <a:ahLst/>
-              <a:cxnLst/>
-              <a:rect r="r" b="b" t="t" l="l"/>
-              <a:pathLst>
-                <a:path h="596083" w="1960943">
-                  <a:moveTo>
-                    <a:pt x="53031" y="0"/>
-                  </a:moveTo>
-                  <a:lnTo>
-                    <a:pt x="1907912" y="0"/>
-                  </a:lnTo>
-                  <a:cubicBezTo>
-                    <a:pt x="1921976" y="0"/>
-                    <a:pt x="1935465" y="5587"/>
-                    <a:pt x="1945410" y="15532"/>
-                  </a:cubicBezTo>
-                  <a:cubicBezTo>
-                    <a:pt x="1955355" y="25478"/>
-                    <a:pt x="1960943" y="38966"/>
-                    <a:pt x="1960943" y="53031"/>
-                  </a:cubicBezTo>
-                  <a:lnTo>
-                    <a:pt x="1960943" y="543052"/>
-                  </a:lnTo>
-                  <a:cubicBezTo>
-                    <a:pt x="1960943" y="557117"/>
-                    <a:pt x="1955355" y="570605"/>
-                    <a:pt x="1945410" y="580551"/>
-                  </a:cubicBezTo>
-                  <a:cubicBezTo>
-                    <a:pt x="1935465" y="590496"/>
-                    <a:pt x="1921976" y="596083"/>
-                    <a:pt x="1907912" y="596083"/>
-                  </a:cubicBezTo>
-                  <a:lnTo>
-                    <a:pt x="53031" y="596083"/>
-                  </a:lnTo>
-                  <a:cubicBezTo>
-                    <a:pt x="38966" y="596083"/>
-                    <a:pt x="25478" y="590496"/>
-                    <a:pt x="15532" y="580551"/>
-                  </a:cubicBezTo>
-                  <a:cubicBezTo>
-                    <a:pt x="5587" y="570605"/>
-                    <a:pt x="0" y="557117"/>
-                    <a:pt x="0" y="543052"/>
-                  </a:cubicBezTo>
-                  <a:lnTo>
-                    <a:pt x="0" y="53031"/>
-                  </a:lnTo>
-                  <a:cubicBezTo>
-                    <a:pt x="0" y="38966"/>
-                    <a:pt x="5587" y="25478"/>
-                    <a:pt x="15532" y="15532"/>
-                  </a:cubicBezTo>
-                  <a:cubicBezTo>
-                    <a:pt x="25478" y="5587"/>
-                    <a:pt x="38966" y="0"/>
-                    <a:pt x="53031" y="0"/>
-                  </a:cubicBezTo>
-                  <a:close/>
-                </a:path>
-              </a:pathLst>
-            </a:custGeom>
-            <a:solidFill>
-              <a:srgbClr val="FFCACA"/>
-            </a:solidFill>
-          </p:spPr>
-        </p:sp>
-        <p:sp>
-          <p:nvSpPr>
-            <p:cNvPr name="TextBox 12" id="12"/>
-            <p:cNvSpPr txBox="true"/>
-            <p:nvPr/>
-          </p:nvSpPr>
-          <p:spPr>
-            <a:xfrm>
-              <a:off x="0" y="-38100"/>
-              <a:ext cx="1960943" cy="634183"/>
-            </a:xfrm>
-            <a:prstGeom prst="rect">
-              <a:avLst/>
-            </a:prstGeom>
-          </p:spPr>
-          <p:txBody>
-            <a:bodyPr anchor="ctr" rtlCol="false" tIns="50800" lIns="50800" bIns="50800" rIns="50800"/>
-            <a:lstStyle/>
-            <a:p>
-              <a:pPr algn="ctr">
-                <a:lnSpc>
-                  <a:spcPts val="2534"/>
-                </a:lnSpc>
-              </a:pPr>
-            </a:p>
-          </p:txBody>
-        </p:sp>
-      </p:grpSp>
-      <p:sp>
-        <p:nvSpPr>
-          <p:cNvPr name="TextBox 13" id="13"/>
+              <a:t>Si tel est le cas, les residuals seront distribués suivant une loi normale.</a:t>
+            </a:r>
+          </a:p>
+        </p:txBody>
+      </p:sp>
+      <p:sp>
+        <p:nvSpPr>
+          <p:cNvPr name="TextBox 9" id="9"/>
           <p:cNvSpPr txBox="true"/>
           <p:nvPr/>
         </p:nvSpPr>
         <p:spPr>
           <a:xfrm rot="0">
-            <a:off x="10829849" y="5133346"/>
-            <a:ext cx="6988249" cy="2101587"/>
+            <a:off x="8434053" y="7527479"/>
+            <a:ext cx="9616878" cy="2840092"/>
           </a:xfrm>
           <a:prstGeom prst="rect">
             <a:avLst/>
@@ -9225,13 +10430,13 @@
           </a:bodyPr>
           <a:lstStyle/>
           <a:p>
-            <a:pPr algn="ctr">
-              <a:lnSpc>
-                <a:spcPts val="2814"/>
-              </a:lnSpc>
-            </a:pPr>
-            <a:r>
-              <a:rPr lang="en-US" sz="2010" spc="-14">
+            <a:pPr algn="l">
+              <a:lnSpc>
+                <a:spcPts val="2534"/>
+              </a:lnSpc>
+            </a:pPr>
+            <a:r>
+              <a:rPr lang="en-US" sz="1810" spc="-12">
                 <a:solidFill>
                   <a:srgbClr val="000000"/>
                 </a:solidFill>
@@ -9240,13 +10445,72 @@
                 <a:cs typeface="IBM Plex Sans"/>
                 <a:sym typeface="IBM Plex Sans"/>
               </a:rPr>
-              <a:t>Nous passons finalement d'un univers de 16 variables à un univers de 9 variables que sont : le prix à l'ouverture, les prix high et low de la veille, les prix d'ouverture et de close de la veille, le VIX, le moyenne mobile, le MACD et prix close 2 jours avant.</a:t>
+              <a:t>Les résidus sont relativement éparpillés ce qui est laisse entendre que la régression linéaire semble être un modèle pertinent.</a:t>
             </a:r>
           </a:p>
           <a:p>
             <a:pPr algn="ctr">
               <a:lnSpc>
-                <a:spcPts val="2814"/>
+                <a:spcPts val="2534"/>
+              </a:lnSpc>
+            </a:pPr>
+          </a:p>
+          <a:p>
+            <a:pPr algn="l">
+              <a:lnSpc>
+                <a:spcPts val="2534"/>
+              </a:lnSpc>
+            </a:pPr>
+            <a:r>
+              <a:rPr lang="en-US" sz="1810" spc="-12">
+                <a:solidFill>
+                  <a:srgbClr val="000000"/>
+                </a:solidFill>
+                <a:latin typeface="IBM Plex Sans"/>
+                <a:ea typeface="IBM Plex Sans"/>
+                <a:cs typeface="IBM Plex Sans"/>
+                <a:sym typeface="IBM Plex Sans"/>
+              </a:rPr>
+              <a:t>Le courbe d'évolution du RMSE sur les données d'entrainement fluctue peu au fil de l'évolution des données d'entrainement, alors que c’est l’inverse pour les données de test.</a:t>
+            </a:r>
+          </a:p>
+          <a:p>
+            <a:pPr algn="l">
+              <a:lnSpc>
+                <a:spcPts val="2534"/>
+              </a:lnSpc>
+            </a:pPr>
+          </a:p>
+          <a:p>
+            <a:pPr algn="ctr">
+              <a:lnSpc>
+                <a:spcPts val="2674"/>
+              </a:lnSpc>
+            </a:pPr>
+            <a:r>
+              <a:rPr lang="en-US" b="true" sz="1910" spc="-13" u="sng">
+                <a:solidFill>
+                  <a:srgbClr val="CE171E"/>
+                </a:solidFill>
+                <a:latin typeface="IBM Plex Sans Bold"/>
+                <a:ea typeface="IBM Plex Sans Bold"/>
+                <a:cs typeface="IBM Plex Sans Bold"/>
+                <a:sym typeface="IBM Plex Sans Bold"/>
+              </a:rPr>
+              <a:t> Ainsi le modèle apprend bien mais il a du mal à se généraliser.</a:t>
+            </a:r>
+          </a:p>
+          <a:p>
+            <a:pPr algn="ctr">
+              <a:lnSpc>
+                <a:spcPts val="2534"/>
+              </a:lnSpc>
+            </a:pPr>
+          </a:p>
+          <a:p>
+            <a:pPr algn="ctr">
+              <a:lnSpc>
+                <a:spcPts val="2534"/>
               </a:lnSpc>
               <a:spcBef>
                 <a:spcPct val="0"/>
@@ -9257,7 +10521,7 @@
       </p:sp>
       <p:sp>
         <p:nvSpPr>
-          <p:cNvPr name="TextBox 14" id="14"/>
+          <p:cNvPr name="TextBox 10" id="10"/>
           <p:cNvSpPr txBox="true"/>
           <p:nvPr/>
         </p:nvSpPr>
